--- a/UNIVERSITY MANAGEMENT SYSTEM.pptx
+++ b/UNIVERSITY MANAGEMENT SYSTEM.pptx
@@ -13,17 +13,18 @@
     <p:sldId id="259" r:id="rId7"/>
     <p:sldId id="260" r:id="rId8"/>
     <p:sldId id="261" r:id="rId9"/>
-    <p:sldId id="262" r:id="rId10"/>
-    <p:sldId id="264" r:id="rId11"/>
-    <p:sldId id="263" r:id="rId12"/>
-    <p:sldId id="265" r:id="rId13"/>
-    <p:sldId id="266" r:id="rId14"/>
-    <p:sldId id="267" r:id="rId15"/>
-    <p:sldId id="268" r:id="rId16"/>
-    <p:sldId id="269" r:id="rId17"/>
-    <p:sldId id="270" r:id="rId18"/>
-    <p:sldId id="271" r:id="rId19"/>
-    <p:sldId id="272" r:id="rId20"/>
+    <p:sldId id="273" r:id="rId10"/>
+    <p:sldId id="262" r:id="rId11"/>
+    <p:sldId id="264" r:id="rId12"/>
+    <p:sldId id="263" r:id="rId13"/>
+    <p:sldId id="265" r:id="rId14"/>
+    <p:sldId id="266" r:id="rId15"/>
+    <p:sldId id="267" r:id="rId16"/>
+    <p:sldId id="268" r:id="rId17"/>
+    <p:sldId id="269" r:id="rId18"/>
+    <p:sldId id="270" r:id="rId19"/>
+    <p:sldId id="271" r:id="rId20"/>
+    <p:sldId id="272" r:id="rId21"/>
   </p:sldIdLst>
   <p:sldSz cx="12192000" cy="6858000"/>
   <p:notesSz cx="6858000" cy="9144000"/>
@@ -133,6 +134,7 @@
             <p14:sldId id="259"/>
             <p14:sldId id="260"/>
             <p14:sldId id="261"/>
+            <p14:sldId id="273"/>
             <p14:sldId id="262"/>
             <p14:sldId id="264"/>
             <p14:sldId id="263"/>
@@ -14646,6 +14648,111 @@
       </p:sp>
       <p:pic>
         <p:nvPicPr>
+          <p:cNvPr id="2" name="Image4">
+            <a:extLst>
+              <a:ext uri="{FF2B5EF4-FFF2-40B4-BE49-F238E27FC236}">
+                <a16:creationId xmlns:a16="http://schemas.microsoft.com/office/drawing/2014/main" id="{11D0011E-7700-0BC0-B513-168B243B42E0}"/>
+              </a:ext>
+            </a:extLst>
+          </p:cNvPr>
+          <p:cNvPicPr/>
+          <p:nvPr/>
+        </p:nvPicPr>
+        <p:blipFill>
+          <a:blip r:embed="rId2">
+            <a:lum/>
+            <a:alphaModFix/>
+          </a:blip>
+          <a:srcRect/>
+          <a:stretch>
+            <a:fillRect/>
+          </a:stretch>
+        </p:blipFill>
+        <p:spPr>
+          <a:xfrm>
+            <a:off x="2393576" y="860612"/>
+            <a:ext cx="6651812" cy="5862918"/>
+          </a:xfrm>
+          <a:prstGeom prst="rect">
+            <a:avLst/>
+          </a:prstGeom>
+        </p:spPr>
+      </p:pic>
+    </p:spTree>
+    <p:extLst>
+      <p:ext uri="{BB962C8B-B14F-4D97-AF65-F5344CB8AC3E}">
+        <p14:creationId xmlns:p14="http://schemas.microsoft.com/office/powerpoint/2010/main" val="685610638"/>
+      </p:ext>
+    </p:extLst>
+  </p:cSld>
+  <p:clrMapOvr>
+    <a:masterClrMapping/>
+  </p:clrMapOvr>
+</p:sld>
+</file>
+
+<file path=ppt/slides/slide11.xml><?xml version="1.0" encoding="utf-8"?>
+<p:sld xmlns:a="http://schemas.openxmlformats.org/drawingml/2006/main" xmlns:r="http://schemas.openxmlformats.org/officeDocument/2006/relationships" xmlns:p="http://schemas.openxmlformats.org/presentationml/2006/main">
+  <p:cSld>
+    <p:spTree>
+      <p:nvGrpSpPr>
+        <p:cNvPr id="1" name=""/>
+        <p:cNvGrpSpPr/>
+        <p:nvPr/>
+      </p:nvGrpSpPr>
+      <p:grpSpPr>
+        <a:xfrm>
+          <a:off x="0" y="0"/>
+          <a:ext cx="0" cy="0"/>
+          <a:chOff x="0" y="0"/>
+          <a:chExt cx="0" cy="0"/>
+        </a:xfrm>
+      </p:grpSpPr>
+      <p:sp>
+        <p:nvSpPr>
+          <p:cNvPr id="5" name="TextBox 4">
+            <a:extLst>
+              <a:ext uri="{FF2B5EF4-FFF2-40B4-BE49-F238E27FC236}">
+                <a16:creationId xmlns:a16="http://schemas.microsoft.com/office/drawing/2014/main" id="{C1D0F487-26A5-4E01-F9F7-17D0A597A064}"/>
+              </a:ext>
+            </a:extLst>
+          </p:cNvPr>
+          <p:cNvSpPr txBox="1"/>
+          <p:nvPr/>
+        </p:nvSpPr>
+        <p:spPr>
+          <a:xfrm>
+            <a:off x="4442011" y="-143435"/>
+            <a:ext cx="2882153" cy="830997"/>
+          </a:xfrm>
+          <a:prstGeom prst="rect">
+            <a:avLst/>
+          </a:prstGeom>
+          <a:noFill/>
+        </p:spPr>
+        <p:txBody>
+          <a:bodyPr wrap="square">
+            <a:spAutoFit/>
+          </a:bodyPr>
+          <a:lstStyle/>
+          <a:p>
+            <a:r>
+              <a:rPr lang="en-IN" sz="4800" b="1" u="sng" kern="150" dirty="0">
+                <a:solidFill>
+                  <a:schemeClr val="bg1"/>
+                </a:solidFill>
+                <a:effectLst/>
+                <a:latin typeface="Liberation Serif"/>
+                <a:ea typeface="Noto Serif CJK SC"/>
+                <a:cs typeface="Lohit Devanagari"/>
+              </a:rPr>
+              <a:t>Output:-</a:t>
+            </a:r>
+          </a:p>
+        </p:txBody>
+      </p:sp>
+      <p:pic>
+        <p:nvPicPr>
           <p:cNvPr id="6" name="Picture 5">
             <a:extLst>
               <a:ext uri="{FF2B5EF4-FFF2-40B4-BE49-F238E27FC236}">
@@ -14693,7 +14800,7 @@
 </p:sld>
 </file>
 
-<file path=ppt/slides/slide11.xml><?xml version="1.0" encoding="utf-8"?>
+<file path=ppt/slides/slide12.xml><?xml version="1.0" encoding="utf-8"?>
 <p:sld xmlns:a="http://schemas.openxmlformats.org/drawingml/2006/main" xmlns:r="http://schemas.openxmlformats.org/officeDocument/2006/relationships" xmlns:p="http://schemas.openxmlformats.org/presentationml/2006/main">
   <p:cSld>
     <p:spTree>
@@ -14802,7 +14909,7 @@
 </p:sld>
 </file>
 
-<file path=ppt/slides/slide12.xml><?xml version="1.0" encoding="utf-8"?>
+<file path=ppt/slides/slide13.xml><?xml version="1.0" encoding="utf-8"?>
 <p:sld xmlns:a="http://schemas.openxmlformats.org/drawingml/2006/main" xmlns:r="http://schemas.openxmlformats.org/officeDocument/2006/relationships" xmlns:p="http://schemas.openxmlformats.org/presentationml/2006/main">
   <p:cSld>
     <p:spTree>
@@ -14911,7 +15018,7 @@
 </p:sld>
 </file>
 
-<file path=ppt/slides/slide13.xml><?xml version="1.0" encoding="utf-8"?>
+<file path=ppt/slides/slide14.xml><?xml version="1.0" encoding="utf-8"?>
 <p:sld xmlns:a="http://schemas.openxmlformats.org/drawingml/2006/main" xmlns:r="http://schemas.openxmlformats.org/officeDocument/2006/relationships" xmlns:p="http://schemas.openxmlformats.org/presentationml/2006/main">
   <p:cSld>
     <p:spTree>
@@ -15020,7 +15127,7 @@
 </p:sld>
 </file>
 
-<file path=ppt/slides/slide14.xml><?xml version="1.0" encoding="utf-8"?>
+<file path=ppt/slides/slide15.xml><?xml version="1.0" encoding="utf-8"?>
 <p:sld xmlns:a="http://schemas.openxmlformats.org/drawingml/2006/main" xmlns:r="http://schemas.openxmlformats.org/officeDocument/2006/relationships" xmlns:p="http://schemas.openxmlformats.org/presentationml/2006/main">
   <p:cSld>
     <p:spTree>
@@ -15129,7 +15236,7 @@
 </p:sld>
 </file>
 
-<file path=ppt/slides/slide15.xml><?xml version="1.0" encoding="utf-8"?>
+<file path=ppt/slides/slide16.xml><?xml version="1.0" encoding="utf-8"?>
 <p:sld xmlns:a="http://schemas.openxmlformats.org/drawingml/2006/main" xmlns:r="http://schemas.openxmlformats.org/officeDocument/2006/relationships" xmlns:p="http://schemas.openxmlformats.org/presentationml/2006/main">
   <p:cSld>
     <p:spTree>
@@ -15238,7 +15345,7 @@
 </p:sld>
 </file>
 
-<file path=ppt/slides/slide16.xml><?xml version="1.0" encoding="utf-8"?>
+<file path=ppt/slides/slide17.xml><?xml version="1.0" encoding="utf-8"?>
 <p:sld xmlns:a="http://schemas.openxmlformats.org/drawingml/2006/main" xmlns:r="http://schemas.openxmlformats.org/officeDocument/2006/relationships" xmlns:p="http://schemas.openxmlformats.org/presentationml/2006/main">
   <p:cSld>
     <p:spTree>
@@ -15347,7 +15454,7 @@
 </p:sld>
 </file>
 
-<file path=ppt/slides/slide17.xml><?xml version="1.0" encoding="utf-8"?>
+<file path=ppt/slides/slide18.xml><?xml version="1.0" encoding="utf-8"?>
 <p:sld xmlns:a="http://schemas.openxmlformats.org/drawingml/2006/main" xmlns:r="http://schemas.openxmlformats.org/officeDocument/2006/relationships" xmlns:p="http://schemas.openxmlformats.org/presentationml/2006/main">
   <p:cSld>
     <p:spTree>
@@ -15665,7 +15772,7 @@
         </p:nvSpPr>
         <p:spPr>
           <a:xfrm>
-            <a:off x="699247" y="1157231"/>
+            <a:off x="878541" y="776829"/>
             <a:ext cx="11958918" cy="707886"/>
           </a:xfrm>
           <a:prstGeom prst="rect">
@@ -15737,8 +15844,8 @@
         </p:nvSpPr>
         <p:spPr>
           <a:xfrm>
-            <a:off x="403411" y="2004668"/>
-            <a:ext cx="9421905" cy="3857466"/>
+            <a:off x="116540" y="1274208"/>
+            <a:ext cx="9350189" cy="5893921"/>
           </a:xfrm>
           <a:prstGeom prst="rect">
             <a:avLst/>
@@ -15753,7 +15860,7 @@
           <a:p>
             <a:pPr lvl="1" algn="ctr"/>
             <a:r>
-              <a:rPr lang="en-IN" sz="2000" kern="150" dirty="0">
+              <a:rPr lang="en-IN" sz="1600" kern="150" dirty="0">
                 <a:solidFill>
                   <a:srgbClr val="098658"/>
                 </a:solidFill>
@@ -15765,7 +15872,7 @@
               <a:t>      </a:t>
             </a:r>
             <a:r>
-              <a:rPr lang="en-IN" sz="2000" kern="150" dirty="0">
+              <a:rPr lang="en-IN" sz="1600" kern="150" dirty="0">
                 <a:solidFill>
                   <a:schemeClr val="bg1"/>
                 </a:solidFill>
@@ -15777,7 +15884,7 @@
               <a:t>1.</a:t>
             </a:r>
             <a:r>
-              <a:rPr lang="en-IN" sz="2000" b="1" u="sng" kern="150" dirty="0">
+              <a:rPr lang="en-IN" sz="1600" b="1" u="sng" kern="150" dirty="0">
                 <a:solidFill>
                   <a:schemeClr val="bg1"/>
                 </a:solidFill>
@@ -15789,7 +15896,7 @@
               <a:t>Add </a:t>
             </a:r>
             <a:r>
-              <a:rPr lang="en-IN" sz="2000" kern="150" dirty="0">
+              <a:rPr lang="en-IN" sz="1600" kern="150" dirty="0">
                 <a:solidFill>
                   <a:srgbClr val="000000"/>
                 </a:solidFill>
@@ -15801,7 +15908,7 @@
               <a:t>a </a:t>
             </a:r>
             <a:r>
-              <a:rPr lang="en-IN" sz="2000" kern="150" dirty="0">
+              <a:rPr lang="en-IN" sz="1600" kern="150" dirty="0">
                 <a:solidFill>
                   <a:schemeClr val="bg1"/>
                 </a:solidFill>
@@ -15813,7 +15920,7 @@
               <a:t>new</a:t>
             </a:r>
             <a:r>
-              <a:rPr lang="en-IN" sz="2000" kern="150" dirty="0">
+              <a:rPr lang="en-IN" sz="1600" kern="150" dirty="0">
                 <a:solidFill>
                   <a:srgbClr val="000000"/>
                 </a:solidFill>
@@ -15827,8 +15934,20 @@
           </a:p>
           <a:p>
             <a:pPr lvl="1" algn="ctr"/>
-            <a:r>
-              <a:rPr lang="en-IN" sz="2000" kern="150" dirty="0">
+            <a:endParaRPr lang="en-IN" sz="1600" kern="150" dirty="0">
+              <a:solidFill>
+                <a:srgbClr val="000000"/>
+              </a:solidFill>
+              <a:effectLst/>
+              <a:latin typeface="Droid Sans Mono"/>
+              <a:ea typeface="Noto Serif CJK SC"/>
+              <a:cs typeface="Lohit Devanagari"/>
+            </a:endParaRPr>
+          </a:p>
+          <a:p>
+            <a:pPr lvl="1" algn="ctr"/>
+            <a:r>
+              <a:rPr lang="en-IN" sz="1600" kern="150" dirty="0">
                 <a:solidFill>
                   <a:schemeClr val="bg1"/>
                 </a:solidFill>
@@ -15840,7 +15959,7 @@
               <a:t>2.</a:t>
             </a:r>
             <a:r>
-              <a:rPr lang="en-IN" sz="2000" b="1" u="sng" kern="150" dirty="0">
+              <a:rPr lang="en-IN" sz="1600" b="1" u="sng" kern="150" dirty="0">
                 <a:solidFill>
                   <a:schemeClr val="bg1"/>
                 </a:solidFill>
@@ -15852,7 +15971,7 @@
               <a:t>Show</a:t>
             </a:r>
             <a:r>
-              <a:rPr lang="en-IN" sz="2000" kern="150" dirty="0">
+              <a:rPr lang="en-IN" sz="1600" kern="150" dirty="0">
                 <a:solidFill>
                   <a:schemeClr val="bg1"/>
                 </a:solidFill>
@@ -15864,7 +15983,7 @@
               <a:t> </a:t>
             </a:r>
             <a:r>
-              <a:rPr lang="en-IN" sz="2000" kern="150" dirty="0">
+              <a:rPr lang="en-IN" sz="1600" kern="150" dirty="0">
                 <a:solidFill>
                   <a:srgbClr val="000000"/>
                 </a:solidFill>
@@ -15882,7 +16001,7 @@
                 <a:spcPts val="1425"/>
               </a:lnSpc>
             </a:pPr>
-            <a:endParaRPr lang="en-IN" sz="2000" kern="150" dirty="0">
+            <a:endParaRPr lang="en-IN" sz="1600" kern="150" dirty="0">
               <a:effectLst/>
               <a:latin typeface="Liberation Serif"/>
               <a:ea typeface="Noto Serif CJK SC"/>
@@ -15896,7 +16015,7 @@
               </a:lnSpc>
             </a:pPr>
             <a:r>
-              <a:rPr lang="en-IN" sz="2000" kern="150" dirty="0">
+              <a:rPr lang="en-IN" sz="1600" kern="150" dirty="0">
                 <a:solidFill>
                   <a:srgbClr val="098658"/>
                 </a:solidFill>
@@ -15908,7 +16027,7 @@
               <a:t>                </a:t>
             </a:r>
             <a:r>
-              <a:rPr lang="en-IN" sz="2000" kern="150" dirty="0">
+              <a:rPr lang="en-IN" sz="1600" kern="150" dirty="0">
                 <a:solidFill>
                   <a:schemeClr val="bg1"/>
                 </a:solidFill>
@@ -15920,7 +16039,7 @@
               <a:t>3.</a:t>
             </a:r>
             <a:r>
-              <a:rPr lang="en-IN" sz="2000" b="1" u="sng" kern="150" dirty="0">
+              <a:rPr lang="en-IN" sz="1600" b="1" u="sng" kern="150" dirty="0">
                 <a:solidFill>
                   <a:schemeClr val="bg1"/>
                 </a:solidFill>
@@ -15932,7 +16051,7 @@
               <a:t>Show</a:t>
             </a:r>
             <a:r>
-              <a:rPr lang="en-IN" sz="2000" kern="150" dirty="0">
+              <a:rPr lang="en-IN" sz="1600" kern="150" dirty="0">
                 <a:solidFill>
                   <a:schemeClr val="bg1"/>
                 </a:solidFill>
@@ -15944,7 +16063,7 @@
               <a:t> </a:t>
             </a:r>
             <a:r>
-              <a:rPr lang="en-IN" sz="2000" kern="150" dirty="0">
+              <a:rPr lang="en-IN" sz="1600" kern="150" dirty="0">
                 <a:solidFill>
                   <a:srgbClr val="000000"/>
                 </a:solidFill>
@@ -15962,7 +16081,7 @@
                 <a:spcPts val="1425"/>
               </a:lnSpc>
             </a:pPr>
-            <a:endParaRPr lang="en-IN" sz="2000" kern="150" dirty="0">
+            <a:endParaRPr lang="en-IN" sz="1600" kern="150" dirty="0">
               <a:effectLst/>
               <a:latin typeface="Liberation Serif"/>
               <a:ea typeface="Noto Serif CJK SC"/>
@@ -15976,7 +16095,7 @@
               </a:lnSpc>
             </a:pPr>
             <a:r>
-              <a:rPr lang="en-IN" sz="2000" kern="150" dirty="0">
+              <a:rPr lang="en-IN" sz="1600" kern="150" dirty="0">
                 <a:solidFill>
                   <a:srgbClr val="098658"/>
                 </a:solidFill>
@@ -15988,7 +16107,7 @@
               <a:t>                         </a:t>
             </a:r>
             <a:r>
-              <a:rPr lang="en-IN" sz="2000" kern="150" dirty="0">
+              <a:rPr lang="en-IN" sz="1600" kern="150" dirty="0">
                 <a:solidFill>
                   <a:schemeClr val="bg1"/>
                 </a:solidFill>
@@ -16000,7 +16119,7 @@
               <a:t>4.</a:t>
             </a:r>
             <a:r>
-              <a:rPr lang="en-IN" sz="2000" b="1" u="sng" kern="150" dirty="0">
+              <a:rPr lang="en-IN" sz="1600" b="1" u="sng" kern="150" dirty="0">
                 <a:solidFill>
                   <a:schemeClr val="bg1"/>
                 </a:solidFill>
@@ -16012,7 +16131,7 @@
               <a:t>Show</a:t>
             </a:r>
             <a:r>
-              <a:rPr lang="en-IN" sz="2000" kern="150" dirty="0">
+              <a:rPr lang="en-IN" sz="1600" kern="150" dirty="0">
                 <a:solidFill>
                   <a:schemeClr val="bg1"/>
                 </a:solidFill>
@@ -16024,7 +16143,7 @@
               <a:t> </a:t>
             </a:r>
             <a:r>
-              <a:rPr lang="en-IN" sz="2000" kern="150" dirty="0">
+              <a:rPr lang="en-IN" sz="1600" kern="150" dirty="0">
                 <a:solidFill>
                   <a:srgbClr val="000000"/>
                 </a:solidFill>
@@ -16042,7 +16161,7 @@
                 <a:spcPts val="1425"/>
               </a:lnSpc>
             </a:pPr>
-            <a:endParaRPr lang="en-IN" sz="2000" kern="150" dirty="0">
+            <a:endParaRPr lang="en-IN" sz="1600" kern="150" dirty="0">
               <a:effectLst/>
               <a:latin typeface="Liberation Serif"/>
               <a:ea typeface="Noto Serif CJK SC"/>
@@ -16056,7 +16175,7 @@
               </a:lnSpc>
             </a:pPr>
             <a:r>
-              <a:rPr lang="en-IN" sz="2000" kern="150" dirty="0">
+              <a:rPr lang="en-IN" sz="1600" kern="150" dirty="0">
                 <a:solidFill>
                   <a:schemeClr val="bg1"/>
                 </a:solidFill>
@@ -16068,7 +16187,7 @@
               <a:t>   5.</a:t>
             </a:r>
             <a:r>
-              <a:rPr lang="en-IN" sz="2000" b="1" u="sng" kern="150" dirty="0">
+              <a:rPr lang="en-IN" sz="1600" b="1" u="sng" kern="150" dirty="0">
                 <a:solidFill>
                   <a:schemeClr val="bg1"/>
                 </a:solidFill>
@@ -16080,7 +16199,7 @@
               <a:t>Add</a:t>
             </a:r>
             <a:r>
-              <a:rPr lang="en-IN" sz="2000" kern="150" dirty="0">
+              <a:rPr lang="en-IN" sz="1600" kern="150" dirty="0">
                 <a:solidFill>
                   <a:schemeClr val="bg1"/>
                 </a:solidFill>
@@ -16092,7 +16211,7 @@
               <a:t> </a:t>
             </a:r>
             <a:r>
-              <a:rPr lang="en-IN" sz="2000" kern="150" dirty="0">
+              <a:rPr lang="en-IN" sz="1600" kern="150" dirty="0">
                 <a:solidFill>
                   <a:srgbClr val="000000"/>
                 </a:solidFill>
@@ -16104,7 +16223,7 @@
               <a:t>a </a:t>
             </a:r>
             <a:r>
-              <a:rPr lang="en-IN" sz="2000" kern="150" dirty="0">
+              <a:rPr lang="en-IN" sz="1600" kern="150" dirty="0">
                 <a:solidFill>
                   <a:schemeClr val="bg1"/>
                 </a:solidFill>
@@ -16116,7 +16235,7 @@
               <a:t>new</a:t>
             </a:r>
             <a:r>
-              <a:rPr lang="en-IN" sz="2000" kern="150" dirty="0">
+              <a:rPr lang="en-IN" sz="1600" kern="150" dirty="0">
                 <a:solidFill>
                   <a:srgbClr val="000000"/>
                 </a:solidFill>
@@ -16135,7 +16254,7 @@
               </a:lnSpc>
             </a:pPr>
             <a:r>
-              <a:rPr lang="en-IN" sz="2000" kern="150" dirty="0">
+              <a:rPr lang="en-IN" sz="1600" kern="150" dirty="0">
                 <a:effectLst/>
                 <a:latin typeface="Liberation Serif"/>
                 <a:ea typeface="Noto Serif CJK SC"/>
@@ -16151,7 +16270,7 @@
               </a:lnSpc>
             </a:pPr>
             <a:r>
-              <a:rPr lang="en-IN" sz="2000" kern="150" dirty="0">
+              <a:rPr lang="en-IN" sz="1600" kern="150" dirty="0">
                 <a:solidFill>
                   <a:srgbClr val="098658"/>
                 </a:solidFill>
@@ -16163,7 +16282,7 @@
               <a:t>                  </a:t>
             </a:r>
             <a:r>
-              <a:rPr lang="en-IN" sz="2000" kern="150" dirty="0">
+              <a:rPr lang="en-IN" sz="1600" kern="150" dirty="0">
                 <a:solidFill>
                   <a:schemeClr val="bg1"/>
                 </a:solidFill>
@@ -16175,7 +16294,7 @@
               <a:t>6.</a:t>
             </a:r>
             <a:r>
-              <a:rPr lang="en-IN" sz="2000" b="1" u="sng" kern="150" dirty="0">
+              <a:rPr lang="en-IN" sz="1600" b="1" u="sng" kern="150" dirty="0">
                 <a:solidFill>
                   <a:schemeClr val="bg1"/>
                 </a:solidFill>
@@ -16187,7 +16306,7 @@
               <a:t>Show</a:t>
             </a:r>
             <a:r>
-              <a:rPr lang="en-IN" sz="2000" kern="150" dirty="0">
+              <a:rPr lang="en-IN" sz="1600" kern="150" dirty="0">
                 <a:solidFill>
                   <a:schemeClr val="bg1"/>
                 </a:solidFill>
@@ -16199,7 +16318,7 @@
               <a:t> </a:t>
             </a:r>
             <a:r>
-              <a:rPr lang="en-IN" sz="2000" kern="150" dirty="0">
+              <a:rPr lang="en-IN" sz="1600" kern="150" dirty="0">
                 <a:solidFill>
                   <a:srgbClr val="000000"/>
                 </a:solidFill>
@@ -16217,7 +16336,7 @@
                 <a:spcPts val="1425"/>
               </a:lnSpc>
             </a:pPr>
-            <a:endParaRPr lang="en-IN" sz="2000" kern="150" dirty="0">
+            <a:endParaRPr lang="en-IN" sz="1600" kern="150" dirty="0">
               <a:effectLst/>
               <a:latin typeface="Liberation Serif"/>
               <a:ea typeface="Noto Serif CJK SC"/>
@@ -16231,7 +16350,7 @@
               </a:lnSpc>
             </a:pPr>
             <a:r>
-              <a:rPr lang="en-IN" sz="2000" kern="150" dirty="0">
+              <a:rPr lang="en-IN" sz="1600" kern="150" dirty="0">
                 <a:solidFill>
                   <a:srgbClr val="098658"/>
                 </a:solidFill>
@@ -16243,7 +16362,7 @@
               <a:t>                 </a:t>
             </a:r>
             <a:r>
-              <a:rPr lang="en-IN" sz="2000" kern="150" dirty="0">
+              <a:rPr lang="en-IN" sz="1600" kern="150" dirty="0">
                 <a:solidFill>
                   <a:schemeClr val="bg1"/>
                 </a:solidFill>
@@ -16255,7 +16374,7 @@
               <a:t>7.</a:t>
             </a:r>
             <a:r>
-              <a:rPr lang="en-IN" sz="2000" b="1" u="sng" kern="150" dirty="0">
+              <a:rPr lang="en-IN" sz="1600" b="1" u="sng" kern="150" dirty="0">
                 <a:solidFill>
                   <a:schemeClr val="bg1"/>
                 </a:solidFill>
@@ -16267,7 +16386,7 @@
               <a:t>Show</a:t>
             </a:r>
             <a:r>
-              <a:rPr lang="en-IN" sz="2000" kern="150" dirty="0">
+              <a:rPr lang="en-IN" sz="1600" kern="150" dirty="0">
                 <a:solidFill>
                   <a:schemeClr val="bg1"/>
                 </a:solidFill>
@@ -16279,7 +16398,7 @@
               <a:t> </a:t>
             </a:r>
             <a:r>
-              <a:rPr lang="en-IN" sz="2000" kern="150" dirty="0">
+              <a:rPr lang="en-IN" sz="1600" kern="150" dirty="0">
                 <a:solidFill>
                   <a:srgbClr val="000000"/>
                 </a:solidFill>
@@ -16297,7 +16416,7 @@
                 <a:spcPts val="1425"/>
               </a:lnSpc>
             </a:pPr>
-            <a:endParaRPr lang="en-IN" sz="2000" kern="150" dirty="0">
+            <a:endParaRPr lang="en-IN" sz="1600" kern="150" dirty="0">
               <a:effectLst/>
               <a:latin typeface="Liberation Serif"/>
               <a:ea typeface="Noto Serif CJK SC"/>
@@ -16311,7 +16430,7 @@
               </a:lnSpc>
             </a:pPr>
             <a:r>
-              <a:rPr lang="en-IN" sz="2000" kern="150" dirty="0">
+              <a:rPr lang="en-IN" sz="1600" kern="150" dirty="0">
                 <a:solidFill>
                   <a:srgbClr val="098658"/>
                 </a:solidFill>
@@ -16323,7 +16442,7 @@
               <a:t>        </a:t>
             </a:r>
             <a:r>
-              <a:rPr lang="en-IN" sz="2000" kern="150" dirty="0">
+              <a:rPr lang="en-IN" sz="1600" kern="150" dirty="0">
                 <a:solidFill>
                   <a:schemeClr val="bg1"/>
                 </a:solidFill>
@@ -16335,7 +16454,7 @@
               <a:t>8.</a:t>
             </a:r>
             <a:r>
-              <a:rPr lang="en-IN" sz="2000" b="1" u="sng" kern="150" dirty="0">
+              <a:rPr lang="en-IN" sz="1600" b="1" u="sng" kern="150" dirty="0">
                 <a:solidFill>
                   <a:schemeClr val="bg1"/>
                 </a:solidFill>
@@ -16347,7 +16466,7 @@
               <a:t>Add</a:t>
             </a:r>
             <a:r>
-              <a:rPr lang="en-IN" sz="2000" kern="150" dirty="0">
+              <a:rPr lang="en-IN" sz="1600" kern="150" dirty="0">
                 <a:solidFill>
                   <a:schemeClr val="bg1"/>
                 </a:solidFill>
@@ -16359,7 +16478,7 @@
               <a:t> </a:t>
             </a:r>
             <a:r>
-              <a:rPr lang="en-IN" sz="2000" kern="150" dirty="0">
+              <a:rPr lang="en-IN" sz="1600" kern="150" dirty="0">
                 <a:solidFill>
                   <a:srgbClr val="000000"/>
                 </a:solidFill>
@@ -16371,7 +16490,7 @@
               <a:t>a </a:t>
             </a:r>
             <a:r>
-              <a:rPr lang="en-IN" sz="2000" kern="150" dirty="0">
+              <a:rPr lang="en-IN" sz="1600" kern="150" dirty="0">
                 <a:solidFill>
                   <a:schemeClr val="bg1"/>
                 </a:solidFill>
@@ -16383,7 +16502,7 @@
               <a:t>new</a:t>
             </a:r>
             <a:r>
-              <a:rPr lang="en-IN" sz="2000" kern="150" dirty="0">
+              <a:rPr lang="en-IN" sz="1600" kern="150" dirty="0">
                 <a:solidFill>
                   <a:srgbClr val="000000"/>
                 </a:solidFill>
@@ -16401,7 +16520,7 @@
                 <a:spcPts val="1425"/>
               </a:lnSpc>
             </a:pPr>
-            <a:endParaRPr lang="en-IN" sz="2000" kern="150" dirty="0">
+            <a:endParaRPr lang="en-IN" sz="1600" kern="150" dirty="0">
               <a:effectLst/>
               <a:latin typeface="Liberation Serif"/>
               <a:ea typeface="Noto Serif CJK SC"/>
@@ -16415,7 +16534,7 @@
               </a:lnSpc>
             </a:pPr>
             <a:r>
-              <a:rPr lang="en-IN" sz="2000" kern="150" dirty="0">
+              <a:rPr lang="en-IN" sz="1600" kern="150" dirty="0">
                 <a:solidFill>
                   <a:srgbClr val="098658"/>
                 </a:solidFill>
@@ -16427,7 +16546,7 @@
               <a:t>                      </a:t>
             </a:r>
             <a:r>
-              <a:rPr lang="en-IN" sz="2000" kern="150" dirty="0">
+              <a:rPr lang="en-IN" sz="1600" kern="150" dirty="0">
                 <a:solidFill>
                   <a:schemeClr val="bg1"/>
                 </a:solidFill>
@@ -16439,7 +16558,7 @@
               <a:t>9.</a:t>
             </a:r>
             <a:r>
-              <a:rPr lang="en-IN" sz="2000" b="1" u="sng" kern="150" dirty="0">
+              <a:rPr lang="en-IN" sz="1600" b="1" u="sng" kern="150" dirty="0">
                 <a:solidFill>
                   <a:schemeClr val="bg1"/>
                 </a:solidFill>
@@ -16451,7 +16570,7 @@
               <a:t>Show</a:t>
             </a:r>
             <a:r>
-              <a:rPr lang="en-IN" sz="2000" kern="150" dirty="0">
+              <a:rPr lang="en-IN" sz="1600" kern="150" dirty="0">
                 <a:solidFill>
                   <a:schemeClr val="bg1"/>
                 </a:solidFill>
@@ -16463,7 +16582,7 @@
               <a:t> </a:t>
             </a:r>
             <a:r>
-              <a:rPr lang="en-IN" sz="2000" kern="150" dirty="0">
+              <a:rPr lang="en-IN" sz="1600" kern="150" dirty="0">
                 <a:solidFill>
                   <a:srgbClr val="000000"/>
                 </a:solidFill>
@@ -16481,7 +16600,7 @@
                 <a:spcPts val="1425"/>
               </a:lnSpc>
             </a:pPr>
-            <a:endParaRPr lang="en-IN" sz="2000" kern="150" dirty="0">
+            <a:endParaRPr lang="en-IN" sz="1600" kern="150" dirty="0">
               <a:effectLst/>
               <a:latin typeface="Liberation Serif"/>
               <a:ea typeface="Noto Serif CJK SC"/>
@@ -16495,7 +16614,7 @@
               </a:lnSpc>
             </a:pPr>
             <a:r>
-              <a:rPr lang="en-IN" sz="2000" kern="150" dirty="0">
+              <a:rPr lang="en-IN" sz="1600" kern="150" dirty="0">
                 <a:solidFill>
                   <a:srgbClr val="098658"/>
                 </a:solidFill>
@@ -16504,10 +16623,10 @@
                 <a:ea typeface="Noto Serif CJK SC"/>
                 <a:cs typeface="Lohit Devanagari"/>
               </a:rPr>
-              <a:t>                                 </a:t>
-            </a:r>
-            <a:r>
-              <a:rPr lang="en-IN" sz="2000" kern="150" dirty="0">
+              <a:t>                                   </a:t>
+            </a:r>
+            <a:r>
+              <a:rPr lang="en-IN" sz="1600" kern="150" dirty="0">
                 <a:solidFill>
                   <a:schemeClr val="bg1"/>
                 </a:solidFill>
@@ -16519,7 +16638,7 @@
               <a:t>10.</a:t>
             </a:r>
             <a:r>
-              <a:rPr lang="en-IN" sz="2000" b="1" u="sng" kern="150" dirty="0">
+              <a:rPr lang="en-IN" sz="1600" b="1" u="sng" kern="150" dirty="0">
                 <a:solidFill>
                   <a:schemeClr val="bg1">
                     <a:lumMod val="95000"/>
@@ -16534,7 +16653,7 @@
               <a:t>Show</a:t>
             </a:r>
             <a:r>
-              <a:rPr lang="en-IN" sz="2000" kern="150" dirty="0">
+              <a:rPr lang="en-IN" sz="1600" kern="150" dirty="0">
                 <a:solidFill>
                   <a:srgbClr val="000000"/>
                 </a:solidFill>
@@ -16545,7 +16664,73 @@
               </a:rPr>
               <a:t> the details of accounts of a particular employee</a:t>
             </a:r>
-            <a:endParaRPr lang="en-IN" sz="2000" kern="150" dirty="0">
+          </a:p>
+          <a:p>
+            <a:pPr lvl="1" algn="ctr">
+              <a:lnSpc>
+                <a:spcPts val="1425"/>
+              </a:lnSpc>
+            </a:pPr>
+            <a:endParaRPr lang="en-IN" sz="1600" kern="150" dirty="0">
+              <a:solidFill>
+                <a:srgbClr val="000000"/>
+              </a:solidFill>
+              <a:effectLst/>
+              <a:latin typeface="Droid Sans Mono"/>
+              <a:ea typeface="Noto Serif CJK SC"/>
+              <a:cs typeface="Lohit Devanagari"/>
+            </a:endParaRPr>
+          </a:p>
+          <a:p>
+            <a:pPr>
+              <a:lnSpc>
+                <a:spcPts val="1425"/>
+              </a:lnSpc>
+            </a:pPr>
+            <a:r>
+              <a:rPr lang="en-IN" sz="1600" kern="150" dirty="0">
+                <a:solidFill>
+                  <a:srgbClr val="000000"/>
+                </a:solidFill>
+                <a:effectLst/>
+                <a:latin typeface="Droid Sans Mono"/>
+                <a:ea typeface="Noto Serif CJK SC"/>
+                <a:cs typeface="Lohit Devanagari"/>
+              </a:rPr>
+              <a:t>                                                         12.</a:t>
+            </a:r>
+            <a:r>
+              <a:rPr lang="en-IN" sz="1600" u="sng" kern="150" dirty="0">
+                <a:solidFill>
+                  <a:srgbClr val="000000"/>
+                </a:solidFill>
+                <a:effectLst/>
+                <a:latin typeface="Cooper Black" panose="0208090404030B020404" pitchFamily="18" charset="0"/>
+                <a:ea typeface="Noto Serif CJK SC"/>
+                <a:cs typeface="Lohit Devanagari"/>
+              </a:rPr>
+              <a:t>Show</a:t>
+            </a:r>
+            <a:r>
+              <a:rPr lang="en-IN" sz="1600" kern="150" dirty="0">
+                <a:solidFill>
+                  <a:srgbClr val="000000"/>
+                </a:solidFill>
+                <a:effectLst/>
+                <a:latin typeface="Droid Sans Mono"/>
+                <a:ea typeface="Noto Serif CJK SC"/>
+                <a:cs typeface="Lohit Devanagari"/>
+              </a:rPr>
+              <a:t> all the department in the university.</a:t>
+            </a:r>
+          </a:p>
+          <a:p>
+            <a:pPr>
+              <a:lnSpc>
+                <a:spcPts val="1425"/>
+              </a:lnSpc>
+            </a:pPr>
+            <a:endParaRPr lang="en-IN" sz="1600" kern="150" dirty="0">
               <a:effectLst/>
               <a:latin typeface="Liberation Serif"/>
               <a:ea typeface="Noto Serif CJK SC"/>
@@ -16553,7 +16738,276 @@
             </a:endParaRPr>
           </a:p>
           <a:p>
-            <a:endParaRPr lang="en-IN" dirty="0"/>
+            <a:pPr>
+              <a:lnSpc>
+                <a:spcPts val="1425"/>
+              </a:lnSpc>
+            </a:pPr>
+            <a:r>
+              <a:rPr lang="en-IN" sz="1600" kern="150" dirty="0">
+                <a:solidFill>
+                  <a:srgbClr val="000000"/>
+                </a:solidFill>
+                <a:effectLst/>
+                <a:latin typeface="Droid Sans Mono"/>
+                <a:ea typeface="Noto Serif CJK SC"/>
+                <a:cs typeface="Lohit Devanagari"/>
+              </a:rPr>
+              <a:t>                                                         13.</a:t>
+            </a:r>
+            <a:r>
+              <a:rPr lang="en-IN" sz="1600" u="sng" kern="150" dirty="0">
+                <a:solidFill>
+                  <a:srgbClr val="000000"/>
+                </a:solidFill>
+                <a:effectLst/>
+                <a:latin typeface="Cooper Black" panose="0208090404030B020404" pitchFamily="18" charset="0"/>
+                <a:ea typeface="Noto Serif CJK SC"/>
+                <a:cs typeface="Lohit Devanagari"/>
+              </a:rPr>
+              <a:t>A</a:t>
+            </a:r>
+            <a:r>
+              <a:rPr lang="en-IN" sz="1600" b="1" u="sng" kern="150" dirty="0">
+                <a:solidFill>
+                  <a:srgbClr val="000000"/>
+                </a:solidFill>
+                <a:effectLst/>
+                <a:latin typeface="Cooper Black" panose="0208090404030B020404" pitchFamily="18" charset="0"/>
+                <a:ea typeface="Noto Serif CJK SC"/>
+                <a:cs typeface="Lohit Devanagari"/>
+              </a:rPr>
+              <a:t>d</a:t>
+            </a:r>
+            <a:r>
+              <a:rPr lang="en-IN" sz="1600" u="sng" kern="150" dirty="0">
+                <a:solidFill>
+                  <a:srgbClr val="000000"/>
+                </a:solidFill>
+                <a:effectLst/>
+                <a:latin typeface="Cooper Black" panose="0208090404030B020404" pitchFamily="18" charset="0"/>
+                <a:ea typeface="Noto Serif CJK SC"/>
+                <a:cs typeface="Lohit Devanagari"/>
+              </a:rPr>
+              <a:t>d</a:t>
+            </a:r>
+            <a:r>
+              <a:rPr lang="en-IN" sz="1600" kern="150" dirty="0">
+                <a:solidFill>
+                  <a:srgbClr val="000000"/>
+                </a:solidFill>
+                <a:effectLst/>
+                <a:latin typeface="Droid Sans Mono"/>
+                <a:ea typeface="Noto Serif CJK SC"/>
+                <a:cs typeface="Lohit Devanagari"/>
+              </a:rPr>
+              <a:t> a new classroom in the university</a:t>
+            </a:r>
+          </a:p>
+          <a:p>
+            <a:pPr>
+              <a:lnSpc>
+                <a:spcPts val="1425"/>
+              </a:lnSpc>
+            </a:pPr>
+            <a:endParaRPr lang="en-IN" sz="1600" kern="150" dirty="0">
+              <a:effectLst/>
+              <a:latin typeface="Droid Sans Mono"/>
+              <a:ea typeface="Noto Serif CJK SC"/>
+              <a:cs typeface="Lohit Devanagari"/>
+            </a:endParaRPr>
+          </a:p>
+          <a:p>
+            <a:pPr>
+              <a:lnSpc>
+                <a:spcPts val="1425"/>
+              </a:lnSpc>
+            </a:pPr>
+            <a:r>
+              <a:rPr lang="en-IN" sz="1600" kern="150" dirty="0">
+                <a:solidFill>
+                  <a:srgbClr val="000000"/>
+                </a:solidFill>
+                <a:effectLst/>
+                <a:latin typeface="Droid Sans Mono"/>
+                <a:ea typeface="Noto Serif CJK SC"/>
+                <a:cs typeface="Lohit Devanagari"/>
+              </a:rPr>
+              <a:t>                                                         14</a:t>
+            </a:r>
+            <a:r>
+              <a:rPr lang="en-IN" sz="1600" u="sng" kern="150" dirty="0">
+                <a:solidFill>
+                  <a:srgbClr val="000000"/>
+                </a:solidFill>
+                <a:effectLst/>
+                <a:latin typeface="Cooper Black" panose="0208090404030B020404" pitchFamily="18" charset="0"/>
+                <a:ea typeface="Noto Serif CJK SC"/>
+                <a:cs typeface="Lohit Devanagari"/>
+              </a:rPr>
+              <a:t>.Add</a:t>
+            </a:r>
+            <a:r>
+              <a:rPr lang="en-IN" sz="1600" u="sng" kern="150" dirty="0">
+                <a:solidFill>
+                  <a:srgbClr val="000000"/>
+                </a:solidFill>
+                <a:effectLst/>
+                <a:latin typeface="Droid Sans Mono"/>
+                <a:ea typeface="Noto Serif CJK SC"/>
+                <a:cs typeface="Lohit Devanagari"/>
+              </a:rPr>
+              <a:t> </a:t>
+            </a:r>
+            <a:r>
+              <a:rPr lang="en-IN" sz="1600" kern="150" dirty="0">
+                <a:solidFill>
+                  <a:srgbClr val="000000"/>
+                </a:solidFill>
+                <a:effectLst/>
+                <a:latin typeface="Droid Sans Mono"/>
+                <a:ea typeface="Noto Serif CJK SC"/>
+                <a:cs typeface="Lohit Devanagari"/>
+              </a:rPr>
+              <a:t>a new student in a classroom.</a:t>
+            </a:r>
+          </a:p>
+          <a:p>
+            <a:pPr>
+              <a:lnSpc>
+                <a:spcPts val="1425"/>
+              </a:lnSpc>
+            </a:pPr>
+            <a:endParaRPr lang="en-IN" sz="1600" kern="150" dirty="0">
+              <a:effectLst/>
+              <a:latin typeface="Liberation Serif"/>
+              <a:ea typeface="Noto Serif CJK SC"/>
+              <a:cs typeface="Lohit Devanagari"/>
+            </a:endParaRPr>
+          </a:p>
+          <a:p>
+            <a:pPr>
+              <a:lnSpc>
+                <a:spcPts val="1425"/>
+              </a:lnSpc>
+            </a:pPr>
+            <a:r>
+              <a:rPr lang="en-IN" sz="1600" kern="150" dirty="0">
+                <a:solidFill>
+                  <a:srgbClr val="000000"/>
+                </a:solidFill>
+                <a:effectLst/>
+                <a:latin typeface="Droid Sans Mono"/>
+                <a:ea typeface="Noto Serif CJK SC"/>
+                <a:cs typeface="Lohit Devanagari"/>
+              </a:rPr>
+              <a:t>                                                         15.</a:t>
+            </a:r>
+            <a:r>
+              <a:rPr lang="en-IN" sz="1600" u="sng" kern="150" dirty="0">
+                <a:solidFill>
+                  <a:srgbClr val="000000"/>
+                </a:solidFill>
+                <a:effectLst/>
+                <a:latin typeface="Cooper Black" panose="0208090404030B020404" pitchFamily="18" charset="0"/>
+                <a:ea typeface="Noto Serif CJK SC"/>
+                <a:cs typeface="Lohit Devanagari"/>
+              </a:rPr>
+              <a:t>Add </a:t>
+            </a:r>
+            <a:r>
+              <a:rPr lang="en-IN" sz="1600" kern="150" dirty="0">
+                <a:solidFill>
+                  <a:srgbClr val="000000"/>
+                </a:solidFill>
+                <a:effectLst/>
+                <a:latin typeface="Droid Sans Mono"/>
+                <a:ea typeface="Noto Serif CJK SC"/>
+                <a:cs typeface="Lohit Devanagari"/>
+              </a:rPr>
+              <a:t>a new faculty in a classroom.</a:t>
+            </a:r>
+          </a:p>
+          <a:p>
+            <a:pPr>
+              <a:lnSpc>
+                <a:spcPts val="1425"/>
+              </a:lnSpc>
+            </a:pPr>
+            <a:r>
+              <a:rPr lang="en-IN" sz="1600" kern="150" dirty="0">
+                <a:effectLst/>
+                <a:latin typeface="Droid Sans Mono"/>
+                <a:ea typeface="Noto Serif CJK SC"/>
+                <a:cs typeface="Lohit Devanagari"/>
+              </a:rPr>
+              <a:t> </a:t>
+            </a:r>
+          </a:p>
+          <a:p>
+            <a:pPr>
+              <a:lnSpc>
+                <a:spcPts val="1425"/>
+              </a:lnSpc>
+            </a:pPr>
+            <a:r>
+              <a:rPr lang="en-IN" sz="1600" kern="150" dirty="0">
+                <a:solidFill>
+                  <a:srgbClr val="000000"/>
+                </a:solidFill>
+                <a:effectLst/>
+                <a:latin typeface="Droid Sans Mono"/>
+                <a:ea typeface="Noto Serif CJK SC"/>
+                <a:cs typeface="Lohit Devanagari"/>
+              </a:rPr>
+              <a:t>                                                         16.</a:t>
+            </a:r>
+            <a:r>
+              <a:rPr lang="en-IN" sz="1600" u="sng" kern="150" dirty="0">
+                <a:solidFill>
+                  <a:srgbClr val="000000"/>
+                </a:solidFill>
+                <a:effectLst/>
+                <a:latin typeface="Cooper Black" panose="0208090404030B020404" pitchFamily="18" charset="0"/>
+                <a:ea typeface="Noto Serif CJK SC"/>
+                <a:cs typeface="Lohit Devanagari"/>
+              </a:rPr>
+              <a:t>Show</a:t>
+            </a:r>
+            <a:r>
+              <a:rPr lang="en-IN" sz="1600" kern="150" dirty="0">
+                <a:solidFill>
+                  <a:srgbClr val="000000"/>
+                </a:solidFill>
+                <a:effectLst/>
+                <a:latin typeface="Droid Sans Mono"/>
+                <a:ea typeface="Noto Serif CJK SC"/>
+                <a:cs typeface="Lohit Devanagari"/>
+              </a:rPr>
+              <a:t> all the classrooms in the university.</a:t>
+            </a:r>
+            <a:endParaRPr lang="en-IN" sz="1600" kern="150" dirty="0">
+              <a:effectLst/>
+              <a:latin typeface="Liberation Serif"/>
+              <a:ea typeface="Noto Serif CJK SC"/>
+              <a:cs typeface="Lohit Devanagari"/>
+            </a:endParaRPr>
+          </a:p>
+          <a:p>
+            <a:pPr lvl="1" algn="ctr">
+              <a:lnSpc>
+                <a:spcPts val="1425"/>
+              </a:lnSpc>
+            </a:pPr>
+            <a:endParaRPr lang="en-IN" sz="1400" kern="150" dirty="0">
+              <a:effectLst/>
+              <a:latin typeface="Liberation Serif"/>
+              <a:ea typeface="Noto Serif CJK SC"/>
+              <a:cs typeface="Lohit Devanagari"/>
+            </a:endParaRPr>
+          </a:p>
+          <a:p>
+            <a:endParaRPr lang="en-IN" sz="1400" dirty="0"/>
           </a:p>
         </p:txBody>
       </p:sp>
@@ -19749,6 +20203,1497 @@
 </file>
 
 <file path=ppt/slides/slide7.xml><?xml version="1.0" encoding="utf-8"?>
+<p:sld xmlns:a="http://schemas.openxmlformats.org/drawingml/2006/main" xmlns:r="http://schemas.openxmlformats.org/officeDocument/2006/relationships" xmlns:p="http://schemas.openxmlformats.org/presentationml/2006/main">
+  <p:cSld>
+    <p:bg>
+      <p:bgPr>
+        <a:gradFill rotWithShape="1">
+          <a:gsLst>
+            <a:gs pos="20000">
+              <a:schemeClr val="bg1"/>
+            </a:gs>
+            <a:gs pos="100000">
+              <a:schemeClr val="bg2">
+                <a:shade val="96000"/>
+                <a:satMod val="120000"/>
+                <a:lumMod val="90000"/>
+              </a:schemeClr>
+            </a:gs>
+          </a:gsLst>
+          <a:lin ang="6120000" scaled="1"/>
+        </a:gradFill>
+        <a:effectLst/>
+      </p:bgPr>
+    </p:bg>
+    <p:spTree>
+      <p:nvGrpSpPr>
+        <p:cNvPr id="1" name=""/>
+        <p:cNvGrpSpPr/>
+        <p:nvPr/>
+      </p:nvGrpSpPr>
+      <p:grpSpPr>
+        <a:xfrm>
+          <a:off x="0" y="0"/>
+          <a:ext cx="0" cy="0"/>
+          <a:chOff x="0" y="0"/>
+          <a:chExt cx="0" cy="0"/>
+        </a:xfrm>
+      </p:grpSpPr>
+      <p:sp>
+        <p:nvSpPr>
+          <p:cNvPr id="5" name="TextBox 4">
+            <a:extLst>
+              <a:ext uri="{FF2B5EF4-FFF2-40B4-BE49-F238E27FC236}">
+                <a16:creationId xmlns:a16="http://schemas.microsoft.com/office/drawing/2014/main" id="{B9FE4DB4-EFFB-7775-1CA8-D49D5D8B1BEC}"/>
+              </a:ext>
+            </a:extLst>
+          </p:cNvPr>
+          <p:cNvSpPr txBox="1"/>
+          <p:nvPr/>
+        </p:nvSpPr>
+        <p:spPr>
+          <a:xfrm>
+            <a:off x="89646" y="0"/>
+            <a:ext cx="12692904" cy="7802136"/>
+          </a:xfrm>
+          <a:prstGeom prst="rect">
+            <a:avLst/>
+          </a:prstGeom>
+          <a:noFill/>
+        </p:spPr>
+        <p:txBody>
+          <a:bodyPr wrap="square">
+            <a:spAutoFit/>
+          </a:bodyPr>
+          <a:lstStyle/>
+          <a:p>
+            <a:pPr marL="342900" lvl="0" indent="-342900">
+              <a:buFont typeface="Arial" panose="020B0604020202020204" pitchFamily="34" charset="0"/>
+              <a:buChar char="•"/>
+            </a:pPr>
+            <a:r>
+              <a:rPr lang="en-IN" b="1" kern="150" dirty="0">
+                <a:effectLst/>
+                <a:latin typeface="OpenSymbol"/>
+                <a:ea typeface="OpenSymbol"/>
+                <a:cs typeface="OpenSymbol"/>
+              </a:rPr>
+              <a:t>The member functions </a:t>
+            </a:r>
+            <a:r>
+              <a:rPr lang="en-IN" b="1" kern="150">
+                <a:effectLst/>
+                <a:latin typeface="OpenSymbol"/>
+                <a:ea typeface="OpenSymbol"/>
+                <a:cs typeface="OpenSymbol"/>
+              </a:rPr>
+              <a:t>are:-</a:t>
+            </a:r>
+          </a:p>
+          <a:p>
+            <a:pPr marL="342900" lvl="0" indent="-342900">
+              <a:buFont typeface="Arial" panose="020B0604020202020204" pitchFamily="34" charset="0"/>
+              <a:buChar char="•"/>
+            </a:pPr>
+            <a:endParaRPr lang="en-IN" b="1" kern="150" dirty="0">
+              <a:effectLst/>
+              <a:latin typeface="OpenSymbol"/>
+              <a:ea typeface="OpenSymbol"/>
+              <a:cs typeface="OpenSymbol"/>
+            </a:endParaRPr>
+          </a:p>
+          <a:p>
+            <a:pPr marL="742950" lvl="1" indent="-285750">
+              <a:buFont typeface="Arial" panose="020B0604020202020204" pitchFamily="34" charset="0"/>
+              <a:buChar char="◦"/>
+            </a:pPr>
+            <a:r>
+              <a:rPr lang="en-IN" b="1" kern="150" dirty="0">
+                <a:effectLst/>
+                <a:latin typeface="Droid Sans Mono"/>
+                <a:ea typeface="OpenSymbol"/>
+                <a:cs typeface="OpenSymbol"/>
+              </a:rPr>
+              <a:t>//setter</a:t>
+            </a:r>
+          </a:p>
+          <a:p>
+            <a:pPr marL="742950" lvl="1" indent="-285750">
+              <a:buFont typeface="Arial" panose="020B0604020202020204" pitchFamily="34" charset="0"/>
+              <a:buChar char="◦"/>
+            </a:pPr>
+            <a:endParaRPr lang="en-IN" b="1" kern="150" dirty="0">
+              <a:effectLst/>
+              <a:latin typeface="OpenSymbol"/>
+              <a:ea typeface="OpenSymbol"/>
+              <a:cs typeface="OpenSymbol"/>
+            </a:endParaRPr>
+          </a:p>
+          <a:p>
+            <a:pPr marL="742950" lvl="1" indent="-285750">
+              <a:buFont typeface="Arial" panose="020B0604020202020204" pitchFamily="34" charset="0"/>
+              <a:buChar char="◦"/>
+            </a:pPr>
+            <a:r>
+              <a:rPr lang="en-IN" sz="1400" b="1" kern="150" dirty="0">
+                <a:solidFill>
+                  <a:schemeClr val="tx1">
+                    <a:lumMod val="65000"/>
+                  </a:schemeClr>
+                </a:solidFill>
+                <a:effectLst/>
+                <a:latin typeface="13"/>
+                <a:ea typeface="OpenSymbol"/>
+                <a:cs typeface="OpenSymbol"/>
+              </a:rPr>
+              <a:t>void setStudentData();</a:t>
+            </a:r>
+          </a:p>
+          <a:p>
+            <a:pPr marL="742950" lvl="1" indent="-285750">
+              <a:buFont typeface="Arial" panose="020B0604020202020204" pitchFamily="34" charset="0"/>
+              <a:buChar char="◦"/>
+            </a:pPr>
+            <a:r>
+              <a:rPr lang="en-IN" sz="1400" b="1" kern="150" dirty="0">
+                <a:solidFill>
+                  <a:schemeClr val="tx1">
+                    <a:lumMod val="65000"/>
+                  </a:schemeClr>
+                </a:solidFill>
+                <a:effectLst/>
+                <a:latin typeface="13"/>
+                <a:ea typeface="OpenSymbol"/>
+                <a:cs typeface="OpenSymbol"/>
+              </a:rPr>
+              <a:t>void </a:t>
+            </a:r>
+            <a:r>
+              <a:rPr lang="en-IN" sz="1400" b="1" kern="150" dirty="0" err="1">
+                <a:solidFill>
+                  <a:schemeClr val="tx1">
+                    <a:lumMod val="65000"/>
+                  </a:schemeClr>
+                </a:solidFill>
+                <a:effectLst/>
+                <a:latin typeface="13"/>
+                <a:ea typeface="OpenSymbol"/>
+                <a:cs typeface="OpenSymbol"/>
+              </a:rPr>
+              <a:t>setStudentAcademicRecord</a:t>
+            </a:r>
+            <a:r>
+              <a:rPr lang="en-IN" sz="1400" b="1" kern="150" dirty="0">
+                <a:solidFill>
+                  <a:schemeClr val="tx1">
+                    <a:lumMod val="65000"/>
+                  </a:schemeClr>
+                </a:solidFill>
+                <a:effectLst/>
+                <a:latin typeface="13"/>
+                <a:ea typeface="OpenSymbol"/>
+                <a:cs typeface="OpenSymbol"/>
+              </a:rPr>
+              <a:t>(Student *</a:t>
+            </a:r>
+            <a:r>
+              <a:rPr lang="en-IN" sz="1400" b="1" kern="150" dirty="0" err="1">
+                <a:solidFill>
+                  <a:schemeClr val="tx1">
+                    <a:lumMod val="65000"/>
+                  </a:schemeClr>
+                </a:solidFill>
+                <a:effectLst/>
+                <a:latin typeface="13"/>
+                <a:ea typeface="OpenSymbol"/>
+                <a:cs typeface="OpenSymbol"/>
+              </a:rPr>
+              <a:t>temp,int</a:t>
+            </a:r>
+            <a:r>
+              <a:rPr lang="en-IN" sz="1400" b="1" kern="150" dirty="0">
+                <a:solidFill>
+                  <a:schemeClr val="tx1">
+                    <a:lumMod val="65000"/>
+                  </a:schemeClr>
+                </a:solidFill>
+                <a:effectLst/>
+                <a:latin typeface="13"/>
+                <a:ea typeface="OpenSymbol"/>
+                <a:cs typeface="OpenSymbol"/>
+              </a:rPr>
+              <a:t> counter, string </a:t>
+            </a:r>
+            <a:r>
+              <a:rPr lang="en-IN" sz="1400" b="1" kern="150" dirty="0" err="1">
+                <a:solidFill>
+                  <a:schemeClr val="tx1">
+                    <a:lumMod val="65000"/>
+                  </a:schemeClr>
+                </a:solidFill>
+                <a:effectLst/>
+                <a:latin typeface="13"/>
+                <a:ea typeface="OpenSymbol"/>
+                <a:cs typeface="OpenSymbol"/>
+              </a:rPr>
+              <a:t>program_name</a:t>
+            </a:r>
+            <a:r>
+              <a:rPr lang="en-IN" sz="1400" b="1" kern="150" dirty="0">
+                <a:solidFill>
+                  <a:schemeClr val="tx1">
+                    <a:lumMod val="65000"/>
+                  </a:schemeClr>
+                </a:solidFill>
+                <a:effectLst/>
+                <a:latin typeface="13"/>
+                <a:ea typeface="OpenSymbol"/>
+                <a:cs typeface="OpenSymbol"/>
+              </a:rPr>
+              <a:t>, int </a:t>
+            </a:r>
+            <a:r>
+              <a:rPr lang="en-IN" sz="1400" b="1" kern="150" dirty="0" err="1">
+                <a:solidFill>
+                  <a:schemeClr val="tx1">
+                    <a:lumMod val="65000"/>
+                  </a:schemeClr>
+                </a:solidFill>
+                <a:effectLst/>
+                <a:latin typeface="13"/>
+                <a:ea typeface="OpenSymbol"/>
+                <a:cs typeface="OpenSymbol"/>
+              </a:rPr>
+              <a:t>admission_no</a:t>
+            </a:r>
+            <a:r>
+              <a:rPr lang="en-IN" sz="1400" b="1" kern="150" dirty="0">
+                <a:solidFill>
+                  <a:schemeClr val="tx1">
+                    <a:lumMod val="65000"/>
+                  </a:schemeClr>
+                </a:solidFill>
+                <a:effectLst/>
+                <a:latin typeface="13"/>
+                <a:ea typeface="OpenSymbol"/>
+                <a:cs typeface="OpenSymbol"/>
+              </a:rPr>
+              <a:t>, int </a:t>
+            </a:r>
+            <a:r>
+              <a:rPr lang="en-IN" sz="1400" b="1" kern="150" dirty="0" err="1">
+                <a:solidFill>
+                  <a:schemeClr val="tx1">
+                    <a:lumMod val="65000"/>
+                  </a:schemeClr>
+                </a:solidFill>
+                <a:effectLst/>
+                <a:latin typeface="13"/>
+                <a:ea typeface="OpenSymbol"/>
+                <a:cs typeface="OpenSymbol"/>
+              </a:rPr>
+              <a:t>enroll_no</a:t>
+            </a:r>
+            <a:r>
+              <a:rPr lang="en-IN" sz="1400" b="1" kern="150" dirty="0">
+                <a:solidFill>
+                  <a:schemeClr val="tx1">
+                    <a:lumMod val="65000"/>
+                  </a:schemeClr>
+                </a:solidFill>
+                <a:effectLst/>
+                <a:latin typeface="13"/>
+                <a:ea typeface="OpenSymbol"/>
+                <a:cs typeface="OpenSymbol"/>
+              </a:rPr>
+              <a:t>, </a:t>
+            </a:r>
+          </a:p>
+          <a:p>
+            <a:pPr marL="742950" lvl="1" indent="-285750">
+              <a:buFont typeface="Arial" panose="020B0604020202020204" pitchFamily="34" charset="0"/>
+              <a:buChar char="◦"/>
+            </a:pPr>
+            <a:r>
+              <a:rPr lang="en-IN" sz="1400" b="1" kern="150" dirty="0">
+                <a:solidFill>
+                  <a:schemeClr val="tx1">
+                    <a:lumMod val="65000"/>
+                  </a:schemeClr>
+                </a:solidFill>
+                <a:effectLst/>
+                <a:latin typeface="13"/>
+                <a:ea typeface="OpenSymbol"/>
+                <a:cs typeface="OpenSymbol"/>
+              </a:rPr>
+              <a:t>int </a:t>
+            </a:r>
+            <a:r>
+              <a:rPr lang="en-IN" sz="1400" b="1" kern="150" dirty="0" err="1">
+                <a:solidFill>
+                  <a:schemeClr val="tx1">
+                    <a:lumMod val="65000"/>
+                  </a:schemeClr>
+                </a:solidFill>
+                <a:effectLst/>
+                <a:latin typeface="13"/>
+                <a:ea typeface="OpenSymbol"/>
+                <a:cs typeface="OpenSymbol"/>
+              </a:rPr>
+              <a:t>begin_year</a:t>
+            </a:r>
+            <a:r>
+              <a:rPr lang="en-IN" sz="1400" b="1" kern="150" dirty="0">
+                <a:solidFill>
+                  <a:schemeClr val="tx1">
+                    <a:lumMod val="65000"/>
+                  </a:schemeClr>
+                </a:solidFill>
+                <a:effectLst/>
+                <a:latin typeface="13"/>
+                <a:ea typeface="OpenSymbol"/>
+                <a:cs typeface="OpenSymbol"/>
+              </a:rPr>
+              <a:t>, int </a:t>
+            </a:r>
+            <a:r>
+              <a:rPr lang="en-IN" sz="1400" b="1" kern="150" dirty="0" err="1">
+                <a:solidFill>
+                  <a:schemeClr val="tx1">
+                    <a:lumMod val="65000"/>
+                  </a:schemeClr>
+                </a:solidFill>
+                <a:effectLst/>
+                <a:latin typeface="13"/>
+                <a:ea typeface="OpenSymbol"/>
+                <a:cs typeface="OpenSymbol"/>
+              </a:rPr>
+              <a:t>end_year</a:t>
+            </a:r>
+            <a:r>
+              <a:rPr lang="en-IN" sz="1400" b="1" kern="150" dirty="0">
+                <a:solidFill>
+                  <a:schemeClr val="tx1">
+                    <a:lumMod val="65000"/>
+                  </a:schemeClr>
+                </a:solidFill>
+                <a:effectLst/>
+                <a:latin typeface="13"/>
+                <a:ea typeface="OpenSymbol"/>
+                <a:cs typeface="OpenSymbol"/>
+              </a:rPr>
+              <a:t>, float CGPA, int credits);</a:t>
+            </a:r>
+          </a:p>
+          <a:p>
+            <a:pPr marL="742950" lvl="1" indent="-285750">
+              <a:buFont typeface="Arial" panose="020B0604020202020204" pitchFamily="34" charset="0"/>
+              <a:buChar char="◦"/>
+            </a:pPr>
+            <a:r>
+              <a:rPr lang="en-IN" sz="1400" b="1" kern="150" dirty="0">
+                <a:solidFill>
+                  <a:schemeClr val="tx1">
+                    <a:lumMod val="65000"/>
+                  </a:schemeClr>
+                </a:solidFill>
+                <a:effectLst/>
+                <a:latin typeface="13"/>
+                <a:ea typeface="OpenSymbol"/>
+                <a:cs typeface="OpenSymbol"/>
+              </a:rPr>
+              <a:t>void </a:t>
+            </a:r>
+            <a:r>
+              <a:rPr lang="en-IN" sz="1400" b="1" kern="150" dirty="0" err="1">
+                <a:solidFill>
+                  <a:schemeClr val="tx1">
+                    <a:lumMod val="65000"/>
+                  </a:schemeClr>
+                </a:solidFill>
+                <a:effectLst/>
+                <a:latin typeface="13"/>
+                <a:ea typeface="OpenSymbol"/>
+                <a:cs typeface="OpenSymbol"/>
+              </a:rPr>
+              <a:t>setFacultiesInfo</a:t>
+            </a:r>
+            <a:r>
+              <a:rPr lang="en-IN" sz="1400" b="1" kern="150" dirty="0">
+                <a:solidFill>
+                  <a:schemeClr val="tx1">
+                    <a:lumMod val="65000"/>
+                  </a:schemeClr>
+                </a:solidFill>
+                <a:effectLst/>
+                <a:latin typeface="13"/>
+                <a:ea typeface="OpenSymbol"/>
+                <a:cs typeface="OpenSymbol"/>
+              </a:rPr>
+              <a:t>();</a:t>
+            </a:r>
+          </a:p>
+          <a:p>
+            <a:pPr marL="742950" lvl="1" indent="-285750">
+              <a:buFont typeface="Arial" panose="020B0604020202020204" pitchFamily="34" charset="0"/>
+              <a:buChar char="◦"/>
+            </a:pPr>
+            <a:r>
+              <a:rPr lang="en-IN" sz="1400" b="1" kern="150" dirty="0">
+                <a:solidFill>
+                  <a:schemeClr val="tx1">
+                    <a:lumMod val="65000"/>
+                  </a:schemeClr>
+                </a:solidFill>
+                <a:effectLst/>
+                <a:latin typeface="13"/>
+                <a:ea typeface="OpenSymbol"/>
+                <a:cs typeface="OpenSymbol"/>
+              </a:rPr>
+              <a:t>void </a:t>
+            </a:r>
+            <a:r>
+              <a:rPr lang="en-IN" sz="1400" b="1" kern="150" dirty="0" err="1">
+                <a:solidFill>
+                  <a:schemeClr val="tx1">
+                    <a:lumMod val="65000"/>
+                  </a:schemeClr>
+                </a:solidFill>
+                <a:effectLst/>
+                <a:latin typeface="13"/>
+                <a:ea typeface="OpenSymbol"/>
+                <a:cs typeface="OpenSymbol"/>
+              </a:rPr>
+              <a:t>setEmployeesInfo</a:t>
+            </a:r>
+            <a:r>
+              <a:rPr lang="en-IN" sz="1400" b="1" kern="150" dirty="0">
+                <a:solidFill>
+                  <a:schemeClr val="tx1">
+                    <a:lumMod val="65000"/>
+                  </a:schemeClr>
+                </a:solidFill>
+                <a:effectLst/>
+                <a:latin typeface="13"/>
+                <a:ea typeface="OpenSymbol"/>
+                <a:cs typeface="OpenSymbol"/>
+              </a:rPr>
+              <a:t>();</a:t>
+            </a:r>
+          </a:p>
+          <a:p>
+            <a:pPr marL="742950" lvl="1" indent="-285750">
+              <a:buFont typeface="Arial" panose="020B0604020202020204" pitchFamily="34" charset="0"/>
+              <a:buChar char="◦"/>
+            </a:pPr>
+            <a:r>
+              <a:rPr lang="en-IN" sz="1400" b="1" kern="150" dirty="0">
+                <a:solidFill>
+                  <a:schemeClr val="tx1">
+                    <a:lumMod val="65000"/>
+                  </a:schemeClr>
+                </a:solidFill>
+                <a:effectLst/>
+                <a:latin typeface="13"/>
+                <a:ea typeface="OpenSymbol"/>
+                <a:cs typeface="OpenSymbol"/>
+              </a:rPr>
+              <a:t>void </a:t>
+            </a:r>
+            <a:r>
+              <a:rPr lang="en-IN" sz="1400" b="1" kern="150" dirty="0" err="1">
+                <a:solidFill>
+                  <a:schemeClr val="tx1">
+                    <a:lumMod val="65000"/>
+                  </a:schemeClr>
+                </a:solidFill>
+                <a:effectLst/>
+                <a:latin typeface="13"/>
+                <a:ea typeface="OpenSymbol"/>
+                <a:cs typeface="OpenSymbol"/>
+              </a:rPr>
+              <a:t>setClassroomInfo</a:t>
+            </a:r>
+            <a:r>
+              <a:rPr lang="en-IN" sz="1400" b="1" kern="150" dirty="0">
+                <a:solidFill>
+                  <a:schemeClr val="tx1">
+                    <a:lumMod val="65000"/>
+                  </a:schemeClr>
+                </a:solidFill>
+                <a:effectLst/>
+                <a:latin typeface="13"/>
+                <a:ea typeface="OpenSymbol"/>
+                <a:cs typeface="OpenSymbol"/>
+              </a:rPr>
+              <a:t>();</a:t>
+            </a:r>
+          </a:p>
+          <a:p>
+            <a:pPr lvl="1"/>
+            <a:endParaRPr lang="en-IN" sz="1400" b="1" kern="150" dirty="0">
+              <a:solidFill>
+                <a:schemeClr val="tx1">
+                  <a:lumMod val="65000"/>
+                </a:schemeClr>
+              </a:solidFill>
+              <a:effectLst/>
+              <a:latin typeface="13"/>
+              <a:ea typeface="OpenSymbol"/>
+              <a:cs typeface="OpenSymbol"/>
+            </a:endParaRPr>
+          </a:p>
+          <a:p>
+            <a:pPr marL="742950" lvl="1" indent="-285750">
+              <a:buFont typeface="Arial" panose="020B0604020202020204" pitchFamily="34" charset="0"/>
+              <a:buChar char="◦"/>
+            </a:pPr>
+            <a:r>
+              <a:rPr lang="en-IN" sz="1400" b="1" kern="150" dirty="0">
+                <a:solidFill>
+                  <a:schemeClr val="tx1">
+                    <a:lumMod val="65000"/>
+                  </a:schemeClr>
+                </a:solidFill>
+                <a:effectLst/>
+                <a:latin typeface="13"/>
+                <a:ea typeface="OpenSymbol"/>
+                <a:cs typeface="OpenSymbol"/>
+              </a:rPr>
+              <a:t>//getter</a:t>
+            </a:r>
+          </a:p>
+          <a:p>
+            <a:pPr marL="742950" lvl="1" indent="-285750">
+              <a:buFont typeface="Arial" panose="020B0604020202020204" pitchFamily="34" charset="0"/>
+              <a:buChar char="◦"/>
+            </a:pPr>
+            <a:r>
+              <a:rPr lang="en-IN" sz="1400" b="1" kern="150" dirty="0">
+                <a:solidFill>
+                  <a:schemeClr val="tx1">
+                    <a:lumMod val="65000"/>
+                  </a:schemeClr>
+                </a:solidFill>
+                <a:effectLst/>
+                <a:latin typeface="13"/>
+                <a:ea typeface="OpenSymbol"/>
+                <a:cs typeface="OpenSymbol"/>
+              </a:rPr>
+              <a:t>//</a:t>
+            </a:r>
+            <a:r>
+              <a:rPr lang="en-IN" sz="1400" b="1" kern="150" dirty="0" err="1">
+                <a:solidFill>
+                  <a:schemeClr val="tx1">
+                    <a:lumMod val="65000"/>
+                  </a:schemeClr>
+                </a:solidFill>
+                <a:effectLst/>
+                <a:latin typeface="13"/>
+                <a:ea typeface="OpenSymbol"/>
+                <a:cs typeface="OpenSymbol"/>
+              </a:rPr>
+              <a:t>showd</a:t>
+            </a:r>
+            <a:r>
+              <a:rPr lang="en-IN" sz="1400" b="1" kern="150" dirty="0">
+                <a:solidFill>
+                  <a:schemeClr val="tx1">
+                    <a:lumMod val="65000"/>
+                  </a:schemeClr>
+                </a:solidFill>
+                <a:effectLst/>
+                <a:latin typeface="13"/>
+                <a:ea typeface="OpenSymbol"/>
+                <a:cs typeface="OpenSymbol"/>
+              </a:rPr>
+              <a:t> the record of all students</a:t>
+            </a:r>
+          </a:p>
+          <a:p>
+            <a:pPr lvl="1"/>
+            <a:endParaRPr lang="en-IN" sz="1400" b="1" kern="150" dirty="0">
+              <a:solidFill>
+                <a:schemeClr val="tx1">
+                  <a:lumMod val="65000"/>
+                </a:schemeClr>
+              </a:solidFill>
+              <a:latin typeface="13"/>
+              <a:ea typeface="OpenSymbol"/>
+              <a:cs typeface="OpenSymbol"/>
+            </a:endParaRPr>
+          </a:p>
+          <a:p>
+            <a:pPr>
+              <a:lnSpc>
+                <a:spcPts val="1425"/>
+              </a:lnSpc>
+            </a:pPr>
+            <a:r>
+              <a:rPr lang="en-IN" sz="1400" b="1" kern="150" dirty="0">
+                <a:solidFill>
+                  <a:schemeClr val="tx1">
+                    <a:lumMod val="65000"/>
+                  </a:schemeClr>
+                </a:solidFill>
+                <a:effectLst/>
+                <a:latin typeface="13"/>
+                <a:ea typeface="OpenSymbol"/>
+                <a:cs typeface="OpenSymbol"/>
+              </a:rPr>
+              <a:t>void </a:t>
+            </a:r>
+            <a:r>
+              <a:rPr lang="en-IN" sz="1400" b="1" kern="150" dirty="0" err="1">
+                <a:solidFill>
+                  <a:schemeClr val="tx1">
+                    <a:lumMod val="65000"/>
+                  </a:schemeClr>
+                </a:solidFill>
+                <a:effectLst/>
+                <a:latin typeface="13"/>
+                <a:ea typeface="OpenSymbol"/>
+                <a:cs typeface="OpenSymbol"/>
+              </a:rPr>
+              <a:t>ShowStudentsRecord</a:t>
+            </a:r>
+            <a:r>
+              <a:rPr lang="en-IN" sz="1400" b="1" kern="150" dirty="0">
+                <a:solidFill>
+                  <a:schemeClr val="tx1">
+                    <a:lumMod val="65000"/>
+                  </a:schemeClr>
+                </a:solidFill>
+                <a:effectLst/>
+                <a:latin typeface="13"/>
+                <a:ea typeface="OpenSymbol"/>
+                <a:cs typeface="OpenSymbol"/>
+              </a:rPr>
+              <a:t>(); </a:t>
+            </a:r>
+          </a:p>
+          <a:p>
+            <a:pPr>
+              <a:lnSpc>
+                <a:spcPts val="1425"/>
+              </a:lnSpc>
+            </a:pPr>
+            <a:endParaRPr lang="en-IN" sz="1400" b="1" kern="150" dirty="0">
+              <a:solidFill>
+                <a:schemeClr val="tx1">
+                  <a:lumMod val="65000"/>
+                </a:schemeClr>
+              </a:solidFill>
+              <a:effectLst/>
+              <a:latin typeface="13"/>
+              <a:ea typeface="Noto Serif CJK SC"/>
+              <a:cs typeface="Lohit Devanagari"/>
+            </a:endParaRPr>
+          </a:p>
+          <a:p>
+            <a:pPr>
+              <a:lnSpc>
+                <a:spcPts val="1425"/>
+              </a:lnSpc>
+            </a:pPr>
+            <a:r>
+              <a:rPr lang="en-IN" sz="1400" b="1" kern="150" dirty="0">
+                <a:solidFill>
+                  <a:schemeClr val="tx1">
+                    <a:lumMod val="65000"/>
+                  </a:schemeClr>
+                </a:solidFill>
+                <a:effectLst/>
+                <a:latin typeface="13"/>
+                <a:ea typeface="Noto Serif CJK SC"/>
+                <a:cs typeface="Lohit Devanagari"/>
+              </a:rPr>
+              <a:t>void </a:t>
+            </a:r>
+            <a:r>
+              <a:rPr lang="en-IN" sz="1400" b="1" kern="150" dirty="0" err="1">
+                <a:solidFill>
+                  <a:schemeClr val="tx1">
+                    <a:lumMod val="65000"/>
+                  </a:schemeClr>
+                </a:solidFill>
+                <a:effectLst/>
+                <a:latin typeface="13"/>
+                <a:ea typeface="Noto Serif CJK SC"/>
+                <a:cs typeface="Lohit Devanagari"/>
+              </a:rPr>
+              <a:t>ShowStudentCoursesInfo</a:t>
+            </a:r>
+            <a:r>
+              <a:rPr lang="en-IN" sz="1400" b="1" kern="150" dirty="0">
+                <a:solidFill>
+                  <a:schemeClr val="tx1">
+                    <a:lumMod val="65000"/>
+                  </a:schemeClr>
+                </a:solidFill>
+                <a:effectLst/>
+                <a:latin typeface="13"/>
+                <a:ea typeface="Noto Serif CJK SC"/>
+                <a:cs typeface="Lohit Devanagari"/>
+              </a:rPr>
+              <a:t>(int n); //n is the index number</a:t>
+            </a:r>
+          </a:p>
+          <a:p>
+            <a:pPr>
+              <a:lnSpc>
+                <a:spcPts val="1425"/>
+              </a:lnSpc>
+            </a:pPr>
+            <a:endParaRPr lang="en-IN" sz="1400" b="1" kern="150" dirty="0">
+              <a:solidFill>
+                <a:schemeClr val="tx1">
+                  <a:lumMod val="65000"/>
+                </a:schemeClr>
+              </a:solidFill>
+              <a:effectLst/>
+              <a:latin typeface="13"/>
+              <a:ea typeface="Noto Serif CJK SC"/>
+              <a:cs typeface="Lohit Devanagari"/>
+            </a:endParaRPr>
+          </a:p>
+          <a:p>
+            <a:pPr>
+              <a:lnSpc>
+                <a:spcPts val="1425"/>
+              </a:lnSpc>
+            </a:pPr>
+            <a:r>
+              <a:rPr lang="en-IN" sz="1400" b="1" kern="150" dirty="0">
+                <a:solidFill>
+                  <a:schemeClr val="tx1">
+                    <a:lumMod val="65000"/>
+                  </a:schemeClr>
+                </a:solidFill>
+                <a:effectLst/>
+                <a:latin typeface="13"/>
+                <a:ea typeface="Noto Serif CJK SC"/>
+                <a:cs typeface="Lohit Devanagari"/>
+              </a:rPr>
+              <a:t>void </a:t>
+            </a:r>
+            <a:r>
+              <a:rPr lang="en-IN" sz="1400" b="1" kern="150" dirty="0" err="1">
+                <a:solidFill>
+                  <a:schemeClr val="tx1">
+                    <a:lumMod val="65000"/>
+                  </a:schemeClr>
+                </a:solidFill>
+                <a:effectLst/>
+                <a:latin typeface="13"/>
+                <a:ea typeface="Noto Serif CJK SC"/>
+                <a:cs typeface="Lohit Devanagari"/>
+              </a:rPr>
+              <a:t>ShowStudentsAcademicRecord</a:t>
+            </a:r>
+            <a:r>
+              <a:rPr lang="en-IN" sz="1400" b="1" kern="150" dirty="0">
+                <a:solidFill>
+                  <a:schemeClr val="tx1">
+                    <a:lumMod val="65000"/>
+                  </a:schemeClr>
+                </a:solidFill>
+                <a:effectLst/>
+                <a:latin typeface="13"/>
+                <a:ea typeface="Noto Serif CJK SC"/>
+                <a:cs typeface="Lohit Devanagari"/>
+              </a:rPr>
+              <a:t>();</a:t>
+            </a:r>
+          </a:p>
+          <a:p>
+            <a:pPr>
+              <a:lnSpc>
+                <a:spcPts val="1425"/>
+              </a:lnSpc>
+            </a:pPr>
+            <a:endParaRPr lang="en-IN" sz="1400" b="1" kern="150" dirty="0">
+              <a:solidFill>
+                <a:schemeClr val="tx1">
+                  <a:lumMod val="65000"/>
+                </a:schemeClr>
+              </a:solidFill>
+              <a:effectLst/>
+              <a:latin typeface="13"/>
+              <a:ea typeface="Noto Serif CJK SC"/>
+              <a:cs typeface="Lohit Devanagari"/>
+            </a:endParaRPr>
+          </a:p>
+          <a:p>
+            <a:pPr>
+              <a:lnSpc>
+                <a:spcPts val="1425"/>
+              </a:lnSpc>
+            </a:pPr>
+            <a:r>
+              <a:rPr lang="en-IN" sz="1400" b="1" kern="150" dirty="0">
+                <a:solidFill>
+                  <a:schemeClr val="tx1">
+                    <a:lumMod val="65000"/>
+                  </a:schemeClr>
+                </a:solidFill>
+                <a:effectLst/>
+                <a:latin typeface="13"/>
+                <a:ea typeface="Noto Serif CJK SC"/>
+                <a:cs typeface="Lohit Devanagari"/>
+              </a:rPr>
+              <a:t>void </a:t>
+            </a:r>
+            <a:r>
+              <a:rPr lang="en-IN" sz="1400" b="1" kern="150" dirty="0" err="1">
+                <a:solidFill>
+                  <a:schemeClr val="tx1">
+                    <a:lumMod val="65000"/>
+                  </a:schemeClr>
+                </a:solidFill>
+                <a:effectLst/>
+                <a:latin typeface="13"/>
+                <a:ea typeface="Noto Serif CJK SC"/>
+                <a:cs typeface="Lohit Devanagari"/>
+              </a:rPr>
+              <a:t>ShowFacultiesDetails</a:t>
+            </a:r>
+            <a:r>
+              <a:rPr lang="en-IN" sz="1400" b="1" kern="150" dirty="0">
+                <a:solidFill>
+                  <a:schemeClr val="tx1">
+                    <a:lumMod val="65000"/>
+                  </a:schemeClr>
+                </a:solidFill>
+                <a:effectLst/>
+                <a:latin typeface="13"/>
+                <a:ea typeface="Noto Serif CJK SC"/>
+                <a:cs typeface="Lohit Devanagari"/>
+              </a:rPr>
+              <a:t>();//view the details of the all faculties except account detail</a:t>
+            </a:r>
+          </a:p>
+          <a:p>
+            <a:pPr>
+              <a:lnSpc>
+                <a:spcPts val="1425"/>
+              </a:lnSpc>
+            </a:pPr>
+            <a:endParaRPr lang="en-IN" sz="1400" b="1" kern="150" dirty="0">
+              <a:solidFill>
+                <a:schemeClr val="tx1">
+                  <a:lumMod val="65000"/>
+                </a:schemeClr>
+              </a:solidFill>
+              <a:effectLst/>
+              <a:latin typeface="13"/>
+              <a:ea typeface="Noto Serif CJK SC"/>
+              <a:cs typeface="Lohit Devanagari"/>
+            </a:endParaRPr>
+          </a:p>
+          <a:p>
+            <a:pPr>
+              <a:lnSpc>
+                <a:spcPts val="1425"/>
+              </a:lnSpc>
+            </a:pPr>
+            <a:r>
+              <a:rPr lang="en-IN" sz="1400" b="1" kern="150" dirty="0">
+                <a:solidFill>
+                  <a:schemeClr val="tx1">
+                    <a:lumMod val="65000"/>
+                  </a:schemeClr>
+                </a:solidFill>
+                <a:effectLst/>
+                <a:latin typeface="13"/>
+                <a:ea typeface="Noto Serif CJK SC"/>
+                <a:cs typeface="Lohit Devanagari"/>
+              </a:rPr>
+              <a:t>void </a:t>
+            </a:r>
+            <a:r>
+              <a:rPr lang="en-IN" sz="1400" b="1" kern="150" dirty="0" err="1">
+                <a:solidFill>
+                  <a:schemeClr val="tx1">
+                    <a:lumMod val="65000"/>
+                  </a:schemeClr>
+                </a:solidFill>
+                <a:effectLst/>
+                <a:latin typeface="13"/>
+                <a:ea typeface="Noto Serif CJK SC"/>
+                <a:cs typeface="Lohit Devanagari"/>
+              </a:rPr>
+              <a:t>ShowFacultiesAccountDetails</a:t>
+            </a:r>
+            <a:r>
+              <a:rPr lang="en-IN" sz="1400" b="1" kern="150" dirty="0">
+                <a:solidFill>
+                  <a:schemeClr val="tx1">
+                    <a:lumMod val="65000"/>
+                  </a:schemeClr>
+                </a:solidFill>
+                <a:effectLst/>
+                <a:latin typeface="13"/>
+                <a:ea typeface="Noto Serif CJK SC"/>
+                <a:cs typeface="Lohit Devanagari"/>
+              </a:rPr>
+              <a:t>();//view the account details of all faculties</a:t>
+            </a:r>
+          </a:p>
+          <a:p>
+            <a:pPr>
+              <a:lnSpc>
+                <a:spcPts val="1425"/>
+              </a:lnSpc>
+            </a:pPr>
+            <a:endParaRPr lang="en-IN" sz="1400" b="1" kern="150" dirty="0">
+              <a:solidFill>
+                <a:schemeClr val="tx1">
+                  <a:lumMod val="65000"/>
+                </a:schemeClr>
+              </a:solidFill>
+              <a:effectLst/>
+              <a:latin typeface="13"/>
+              <a:ea typeface="Noto Serif CJK SC"/>
+              <a:cs typeface="Lohit Devanagari"/>
+            </a:endParaRPr>
+          </a:p>
+          <a:p>
+            <a:pPr>
+              <a:lnSpc>
+                <a:spcPts val="1425"/>
+              </a:lnSpc>
+            </a:pPr>
+            <a:r>
+              <a:rPr lang="en-IN" sz="1400" b="1" kern="150" dirty="0">
+                <a:solidFill>
+                  <a:schemeClr val="tx1">
+                    <a:lumMod val="65000"/>
+                  </a:schemeClr>
+                </a:solidFill>
+                <a:effectLst/>
+                <a:latin typeface="13"/>
+                <a:ea typeface="Noto Serif CJK SC"/>
+                <a:cs typeface="Lohit Devanagari"/>
+              </a:rPr>
+              <a:t>void </a:t>
+            </a:r>
+            <a:r>
+              <a:rPr lang="en-IN" sz="1400" b="1" kern="150" dirty="0" err="1">
+                <a:solidFill>
+                  <a:schemeClr val="tx1">
+                    <a:lumMod val="65000"/>
+                  </a:schemeClr>
+                </a:solidFill>
+                <a:effectLst/>
+                <a:latin typeface="13"/>
+                <a:ea typeface="Noto Serif CJK SC"/>
+                <a:cs typeface="Lohit Devanagari"/>
+              </a:rPr>
+              <a:t>ShowEmployeesDetails</a:t>
+            </a:r>
+            <a:r>
+              <a:rPr lang="en-IN" sz="1400" b="1" kern="150" dirty="0">
+                <a:solidFill>
+                  <a:schemeClr val="tx1">
+                    <a:lumMod val="65000"/>
+                  </a:schemeClr>
+                </a:solidFill>
+                <a:effectLst/>
+                <a:latin typeface="13"/>
+                <a:ea typeface="Noto Serif CJK SC"/>
+                <a:cs typeface="Lohit Devanagari"/>
+              </a:rPr>
+              <a:t>();</a:t>
+            </a:r>
+          </a:p>
+          <a:p>
+            <a:pPr>
+              <a:lnSpc>
+                <a:spcPts val="1425"/>
+              </a:lnSpc>
+            </a:pPr>
+            <a:endParaRPr lang="en-IN" sz="1400" b="1" kern="150" dirty="0">
+              <a:solidFill>
+                <a:schemeClr val="tx1">
+                  <a:lumMod val="65000"/>
+                </a:schemeClr>
+              </a:solidFill>
+              <a:effectLst/>
+              <a:latin typeface="13"/>
+              <a:ea typeface="Noto Serif CJK SC"/>
+              <a:cs typeface="Lohit Devanagari"/>
+            </a:endParaRPr>
+          </a:p>
+          <a:p>
+            <a:pPr>
+              <a:lnSpc>
+                <a:spcPts val="1425"/>
+              </a:lnSpc>
+            </a:pPr>
+            <a:r>
+              <a:rPr lang="en-IN" sz="1400" b="1" kern="150" dirty="0">
+                <a:solidFill>
+                  <a:schemeClr val="tx1">
+                    <a:lumMod val="65000"/>
+                  </a:schemeClr>
+                </a:solidFill>
+                <a:effectLst/>
+                <a:latin typeface="13"/>
+                <a:ea typeface="Noto Serif CJK SC"/>
+                <a:cs typeface="Lohit Devanagari"/>
+              </a:rPr>
+              <a:t>void </a:t>
+            </a:r>
+            <a:r>
+              <a:rPr lang="en-IN" sz="1400" b="1" kern="150" dirty="0" err="1">
+                <a:solidFill>
+                  <a:schemeClr val="tx1">
+                    <a:lumMod val="65000"/>
+                  </a:schemeClr>
+                </a:solidFill>
+                <a:effectLst/>
+                <a:latin typeface="13"/>
+                <a:ea typeface="Noto Serif CJK SC"/>
+                <a:cs typeface="Lohit Devanagari"/>
+              </a:rPr>
+              <a:t>ShowEmployeesAccountDetails</a:t>
+            </a:r>
+            <a:r>
+              <a:rPr lang="en-IN" sz="1400" b="1" kern="150" dirty="0">
+                <a:solidFill>
+                  <a:schemeClr val="tx1">
+                    <a:lumMod val="65000"/>
+                  </a:schemeClr>
+                </a:solidFill>
+                <a:effectLst/>
+                <a:latin typeface="13"/>
+                <a:ea typeface="Noto Serif CJK SC"/>
+                <a:cs typeface="Lohit Devanagari"/>
+              </a:rPr>
+              <a:t>();</a:t>
+            </a:r>
+          </a:p>
+          <a:p>
+            <a:pPr>
+              <a:lnSpc>
+                <a:spcPts val="1425"/>
+              </a:lnSpc>
+            </a:pPr>
+            <a:endParaRPr lang="en-IN" sz="1400" b="1" kern="150" dirty="0">
+              <a:solidFill>
+                <a:schemeClr val="tx1">
+                  <a:lumMod val="65000"/>
+                </a:schemeClr>
+              </a:solidFill>
+              <a:effectLst/>
+              <a:latin typeface="13"/>
+              <a:ea typeface="Noto Serif CJK SC"/>
+              <a:cs typeface="Lohit Devanagari"/>
+            </a:endParaRPr>
+          </a:p>
+          <a:p>
+            <a:pPr>
+              <a:lnSpc>
+                <a:spcPts val="1425"/>
+              </a:lnSpc>
+            </a:pPr>
+            <a:r>
+              <a:rPr lang="en-IN" sz="1400" b="1" kern="150" dirty="0">
+                <a:solidFill>
+                  <a:schemeClr val="tx1">
+                    <a:lumMod val="65000"/>
+                  </a:schemeClr>
+                </a:solidFill>
+                <a:effectLst/>
+                <a:latin typeface="13"/>
+                <a:ea typeface="Noto Serif CJK SC"/>
+                <a:cs typeface="Lohit Devanagari"/>
+              </a:rPr>
+              <a:t>void </a:t>
+            </a:r>
+            <a:r>
+              <a:rPr lang="en-IN" sz="1400" b="1" kern="150" dirty="0" err="1">
+                <a:solidFill>
+                  <a:schemeClr val="tx1">
+                    <a:lumMod val="65000"/>
+                  </a:schemeClr>
+                </a:solidFill>
+                <a:effectLst/>
+                <a:latin typeface="13"/>
+                <a:ea typeface="Noto Serif CJK SC"/>
+                <a:cs typeface="Lohit Devanagari"/>
+              </a:rPr>
+              <a:t>ShowClassroomDetails</a:t>
+            </a:r>
+            <a:r>
+              <a:rPr lang="en-IN" sz="1400" b="1" kern="150" dirty="0">
+                <a:solidFill>
+                  <a:schemeClr val="tx1">
+                    <a:lumMod val="65000"/>
+                  </a:schemeClr>
+                </a:solidFill>
+                <a:effectLst/>
+                <a:latin typeface="13"/>
+                <a:ea typeface="Noto Serif CJK SC"/>
+                <a:cs typeface="Lohit Devanagari"/>
+              </a:rPr>
+              <a:t>(); //view the details of all classrooms</a:t>
+            </a:r>
+          </a:p>
+          <a:p>
+            <a:pPr>
+              <a:lnSpc>
+                <a:spcPts val="1425"/>
+              </a:lnSpc>
+            </a:pPr>
+            <a:endParaRPr lang="en-IN" sz="1400" b="1" kern="150" dirty="0">
+              <a:solidFill>
+                <a:schemeClr val="tx1">
+                  <a:lumMod val="65000"/>
+                </a:schemeClr>
+              </a:solidFill>
+              <a:effectLst/>
+              <a:latin typeface="13"/>
+              <a:ea typeface="Noto Serif CJK SC"/>
+              <a:cs typeface="Lohit Devanagari"/>
+            </a:endParaRPr>
+          </a:p>
+          <a:p>
+            <a:pPr>
+              <a:lnSpc>
+                <a:spcPts val="1425"/>
+              </a:lnSpc>
+            </a:pPr>
+            <a:r>
+              <a:rPr lang="en-IN" sz="1400" b="1" kern="150" dirty="0">
+                <a:solidFill>
+                  <a:schemeClr val="tx1">
+                    <a:lumMod val="65000"/>
+                  </a:schemeClr>
+                </a:solidFill>
+                <a:effectLst/>
+                <a:latin typeface="13"/>
+                <a:ea typeface="Noto Serif CJK SC"/>
+                <a:cs typeface="Lohit Devanagari"/>
+              </a:rPr>
+              <a:t>void </a:t>
+            </a:r>
+            <a:r>
+              <a:rPr lang="en-IN" sz="1400" b="1" kern="150" dirty="0" err="1">
+                <a:solidFill>
+                  <a:schemeClr val="tx1">
+                    <a:lumMod val="65000"/>
+                  </a:schemeClr>
+                </a:solidFill>
+                <a:effectLst/>
+                <a:latin typeface="13"/>
+                <a:ea typeface="Noto Serif CJK SC"/>
+                <a:cs typeface="Lohit Devanagari"/>
+              </a:rPr>
+              <a:t>AddStudentInClassroom</a:t>
+            </a:r>
+            <a:r>
+              <a:rPr lang="en-IN" sz="1400" b="1" kern="150" dirty="0">
+                <a:solidFill>
+                  <a:schemeClr val="tx1">
+                    <a:lumMod val="65000"/>
+                  </a:schemeClr>
+                </a:solidFill>
+                <a:effectLst/>
+                <a:latin typeface="13"/>
+                <a:ea typeface="Noto Serif CJK SC"/>
+                <a:cs typeface="Lohit Devanagari"/>
+              </a:rPr>
+              <a:t>(int </a:t>
+            </a:r>
+            <a:r>
+              <a:rPr lang="en-IN" sz="1400" b="1" kern="150" dirty="0" err="1">
+                <a:solidFill>
+                  <a:schemeClr val="tx1">
+                    <a:lumMod val="65000"/>
+                  </a:schemeClr>
+                </a:solidFill>
+                <a:effectLst/>
+                <a:latin typeface="13"/>
+                <a:ea typeface="Noto Serif CJK SC"/>
+                <a:cs typeface="Lohit Devanagari"/>
+              </a:rPr>
+              <a:t>classroomID,string</a:t>
+            </a:r>
+            <a:r>
+              <a:rPr lang="en-IN" sz="1400" b="1" kern="150" dirty="0">
+                <a:solidFill>
+                  <a:schemeClr val="tx1">
+                    <a:lumMod val="65000"/>
+                  </a:schemeClr>
+                </a:solidFill>
+                <a:effectLst/>
+                <a:latin typeface="13"/>
+                <a:ea typeface="Noto Serif CJK SC"/>
+                <a:cs typeface="Lohit Devanagari"/>
+              </a:rPr>
+              <a:t> </a:t>
+            </a:r>
+            <a:r>
+              <a:rPr lang="en-IN" sz="1400" b="1" kern="150" dirty="0" err="1">
+                <a:solidFill>
+                  <a:schemeClr val="tx1">
+                    <a:lumMod val="65000"/>
+                  </a:schemeClr>
+                </a:solidFill>
+                <a:effectLst/>
+                <a:latin typeface="13"/>
+                <a:ea typeface="Noto Serif CJK SC"/>
+                <a:cs typeface="Lohit Devanagari"/>
+              </a:rPr>
+              <a:t>studentID</a:t>
+            </a:r>
+            <a:r>
+              <a:rPr lang="en-IN" sz="1400" b="1" kern="150" dirty="0">
+                <a:solidFill>
+                  <a:schemeClr val="tx1">
+                    <a:lumMod val="65000"/>
+                  </a:schemeClr>
+                </a:solidFill>
+                <a:effectLst/>
+                <a:latin typeface="13"/>
+                <a:ea typeface="Noto Serif CJK SC"/>
+                <a:cs typeface="Lohit Devanagari"/>
+              </a:rPr>
+              <a:t>);</a:t>
+            </a:r>
+          </a:p>
+          <a:p>
+            <a:pPr>
+              <a:lnSpc>
+                <a:spcPts val="1425"/>
+              </a:lnSpc>
+            </a:pPr>
+            <a:endParaRPr lang="en-IN" sz="1400" b="1" kern="150" dirty="0">
+              <a:solidFill>
+                <a:schemeClr val="tx1">
+                  <a:lumMod val="65000"/>
+                </a:schemeClr>
+              </a:solidFill>
+              <a:effectLst/>
+              <a:latin typeface="13"/>
+              <a:ea typeface="Noto Serif CJK SC"/>
+              <a:cs typeface="Lohit Devanagari"/>
+            </a:endParaRPr>
+          </a:p>
+          <a:p>
+            <a:pPr>
+              <a:lnSpc>
+                <a:spcPts val="1425"/>
+              </a:lnSpc>
+            </a:pPr>
+            <a:r>
+              <a:rPr lang="en-IN" sz="1400" b="1" kern="150" dirty="0">
+                <a:solidFill>
+                  <a:schemeClr val="tx1">
+                    <a:lumMod val="65000"/>
+                  </a:schemeClr>
+                </a:solidFill>
+                <a:effectLst/>
+                <a:latin typeface="13"/>
+                <a:ea typeface="Noto Serif CJK SC"/>
+                <a:cs typeface="Lohit Devanagari"/>
+              </a:rPr>
+              <a:t>void </a:t>
+            </a:r>
+            <a:r>
+              <a:rPr lang="en-IN" sz="1400" b="1" kern="150" dirty="0" err="1">
+                <a:solidFill>
+                  <a:schemeClr val="tx1">
+                    <a:lumMod val="65000"/>
+                  </a:schemeClr>
+                </a:solidFill>
+                <a:effectLst/>
+                <a:latin typeface="13"/>
+                <a:ea typeface="Noto Serif CJK SC"/>
+                <a:cs typeface="Lohit Devanagari"/>
+              </a:rPr>
+              <a:t>AddFacultyInClassroom</a:t>
+            </a:r>
+            <a:r>
+              <a:rPr lang="en-IN" sz="1400" b="1" kern="150" dirty="0">
+                <a:solidFill>
+                  <a:schemeClr val="tx1">
+                    <a:lumMod val="65000"/>
+                  </a:schemeClr>
+                </a:solidFill>
+                <a:effectLst/>
+                <a:latin typeface="13"/>
+                <a:ea typeface="Noto Serif CJK SC"/>
+                <a:cs typeface="Lohit Devanagari"/>
+              </a:rPr>
+              <a:t>(int </a:t>
+            </a:r>
+            <a:r>
+              <a:rPr lang="en-IN" sz="1400" b="1" kern="150" dirty="0" err="1">
+                <a:solidFill>
+                  <a:schemeClr val="tx1">
+                    <a:lumMod val="65000"/>
+                  </a:schemeClr>
+                </a:solidFill>
+                <a:effectLst/>
+                <a:latin typeface="13"/>
+                <a:ea typeface="Noto Serif CJK SC"/>
+                <a:cs typeface="Lohit Devanagari"/>
+              </a:rPr>
+              <a:t>classroomID,string</a:t>
+            </a:r>
+            <a:r>
+              <a:rPr lang="en-IN" sz="1400" b="1" kern="150" dirty="0">
+                <a:solidFill>
+                  <a:schemeClr val="tx1">
+                    <a:lumMod val="65000"/>
+                  </a:schemeClr>
+                </a:solidFill>
+                <a:effectLst/>
+                <a:latin typeface="13"/>
+                <a:ea typeface="Noto Serif CJK SC"/>
+                <a:cs typeface="Lohit Devanagari"/>
+              </a:rPr>
+              <a:t> </a:t>
+            </a:r>
+            <a:r>
+              <a:rPr lang="en-IN" sz="1400" b="1" kern="150" dirty="0" err="1">
+                <a:solidFill>
+                  <a:schemeClr val="tx1">
+                    <a:lumMod val="65000"/>
+                  </a:schemeClr>
+                </a:solidFill>
+                <a:effectLst/>
+                <a:latin typeface="13"/>
+                <a:ea typeface="Noto Serif CJK SC"/>
+                <a:cs typeface="Lohit Devanagari"/>
+              </a:rPr>
+              <a:t>facltyID</a:t>
+            </a:r>
+            <a:r>
+              <a:rPr lang="en-IN" sz="1400" b="1" kern="150" dirty="0">
+                <a:solidFill>
+                  <a:schemeClr val="tx1">
+                    <a:lumMod val="65000"/>
+                  </a:schemeClr>
+                </a:solidFill>
+                <a:effectLst/>
+                <a:latin typeface="13"/>
+                <a:ea typeface="Noto Serif CJK SC"/>
+                <a:cs typeface="Lohit Devanagari"/>
+              </a:rPr>
+              <a:t>);</a:t>
+            </a:r>
+          </a:p>
+          <a:p>
+            <a:pPr>
+              <a:lnSpc>
+                <a:spcPts val="1425"/>
+              </a:lnSpc>
+            </a:pPr>
+            <a:r>
+              <a:rPr lang="en-IN" sz="1400" b="1" kern="150" dirty="0">
+                <a:effectLst/>
+                <a:latin typeface="13"/>
+                <a:ea typeface="Noto Serif CJK SC"/>
+                <a:cs typeface="Lohit Devanagari"/>
+              </a:rPr>
+              <a:t>                                                                                                                                                                       NOTE:-Every class has its own </a:t>
+            </a:r>
+            <a:r>
+              <a:rPr lang="en-IN" sz="1400" b="1" kern="150" dirty="0" err="1">
+                <a:effectLst/>
+                <a:latin typeface="13"/>
+                <a:ea typeface="Noto Serif CJK SC"/>
+                <a:cs typeface="Lohit Devanagari"/>
+              </a:rPr>
+              <a:t>explicity</a:t>
+            </a:r>
+            <a:r>
+              <a:rPr lang="en-IN" sz="1400" b="1" kern="150" dirty="0">
+                <a:effectLst/>
+                <a:latin typeface="13"/>
+                <a:ea typeface="Noto Serif CJK SC"/>
+                <a:cs typeface="Lohit Devanagari"/>
+              </a:rPr>
+              <a:t> defined default constructor.</a:t>
+            </a:r>
+          </a:p>
+          <a:p>
+            <a:pPr>
+              <a:lnSpc>
+                <a:spcPts val="1425"/>
+              </a:lnSpc>
+            </a:pPr>
+            <a:endParaRPr lang="en-IN" sz="1400" b="1" kern="150" dirty="0">
+              <a:solidFill>
+                <a:schemeClr val="tx1">
+                  <a:lumMod val="65000"/>
+                </a:schemeClr>
+              </a:solidFill>
+              <a:effectLst/>
+              <a:latin typeface="13"/>
+              <a:ea typeface="Noto Serif CJK SC"/>
+              <a:cs typeface="Lohit Devanagari"/>
+            </a:endParaRPr>
+          </a:p>
+          <a:p>
+            <a:r>
+              <a:rPr lang="en-IN" sz="1400" b="1" kern="150" dirty="0">
+                <a:solidFill>
+                  <a:schemeClr val="tx1">
+                    <a:lumMod val="65000"/>
+                  </a:schemeClr>
+                </a:solidFill>
+                <a:effectLst/>
+                <a:latin typeface="13"/>
+                <a:ea typeface="Noto Serif CJK SC"/>
+                <a:cs typeface="Lohit Devanagari"/>
+              </a:rPr>
+              <a:t> </a:t>
+            </a:r>
+          </a:p>
+          <a:p>
+            <a:r>
+              <a:rPr lang="en-IN" sz="1400" b="1" kern="150" dirty="0">
+                <a:effectLst/>
+                <a:latin typeface="13"/>
+                <a:ea typeface="Noto Serif CJK SC"/>
+                <a:cs typeface="Lohit Devanagari"/>
+              </a:rPr>
+              <a:t> </a:t>
+            </a:r>
+          </a:p>
+          <a:p>
+            <a:endParaRPr lang="en-IN" sz="1600" b="1" kern="150" dirty="0">
+              <a:solidFill>
+                <a:schemeClr val="bg1"/>
+              </a:solidFill>
+              <a:effectLst/>
+              <a:latin typeface="Liberation Serif"/>
+              <a:ea typeface="Noto Serif CJK SC"/>
+              <a:cs typeface="Lohit Devanagari"/>
+            </a:endParaRPr>
+          </a:p>
+        </p:txBody>
+      </p:sp>
+    </p:spTree>
+    <p:extLst>
+      <p:ext uri="{BB962C8B-B14F-4D97-AF65-F5344CB8AC3E}">
+        <p14:creationId xmlns:p14="http://schemas.microsoft.com/office/powerpoint/2010/main" val="3935954766"/>
+      </p:ext>
+    </p:extLst>
+  </p:cSld>
+  <p:clrMapOvr>
+    <a:masterClrMapping/>
+  </p:clrMapOvr>
+</p:sld>
+</file>
+
+<file path=ppt/slides/slide8.xml><?xml version="1.0" encoding="utf-8"?>
 <p:sld xmlns:a="http://schemas.openxmlformats.org/drawingml/2006/main" xmlns:r="http://schemas.openxmlformats.org/officeDocument/2006/relationships" xmlns:p="http://schemas.openxmlformats.org/presentationml/2006/main">
   <p:cSld>
     <p:spTree>
@@ -19853,7 +21798,7 @@
 </p:sld>
 </file>
 
-<file path=ppt/slides/slide8.xml><?xml version="1.0" encoding="utf-8"?>
+<file path=ppt/slides/slide9.xml><?xml version="1.0" encoding="utf-8"?>
 <p:sld xmlns:a="http://schemas.openxmlformats.org/drawingml/2006/main" xmlns:r="http://schemas.openxmlformats.org/officeDocument/2006/relationships" xmlns:p="http://schemas.openxmlformats.org/presentationml/2006/main">
   <p:cSld>
     <p:spTree>
@@ -19949,111 +21894,6 @@
     <p:extLst>
       <p:ext uri="{BB962C8B-B14F-4D97-AF65-F5344CB8AC3E}">
         <p14:creationId xmlns:p14="http://schemas.microsoft.com/office/powerpoint/2010/main" val="1173604787"/>
-      </p:ext>
-    </p:extLst>
-  </p:cSld>
-  <p:clrMapOvr>
-    <a:masterClrMapping/>
-  </p:clrMapOvr>
-</p:sld>
-</file>
-
-<file path=ppt/slides/slide9.xml><?xml version="1.0" encoding="utf-8"?>
-<p:sld xmlns:a="http://schemas.openxmlformats.org/drawingml/2006/main" xmlns:r="http://schemas.openxmlformats.org/officeDocument/2006/relationships" xmlns:p="http://schemas.openxmlformats.org/presentationml/2006/main">
-  <p:cSld>
-    <p:spTree>
-      <p:nvGrpSpPr>
-        <p:cNvPr id="1" name=""/>
-        <p:cNvGrpSpPr/>
-        <p:nvPr/>
-      </p:nvGrpSpPr>
-      <p:grpSpPr>
-        <a:xfrm>
-          <a:off x="0" y="0"/>
-          <a:ext cx="0" cy="0"/>
-          <a:chOff x="0" y="0"/>
-          <a:chExt cx="0" cy="0"/>
-        </a:xfrm>
-      </p:grpSpPr>
-      <p:sp>
-        <p:nvSpPr>
-          <p:cNvPr id="5" name="TextBox 4">
-            <a:extLst>
-              <a:ext uri="{FF2B5EF4-FFF2-40B4-BE49-F238E27FC236}">
-                <a16:creationId xmlns:a16="http://schemas.microsoft.com/office/drawing/2014/main" id="{C1D0F487-26A5-4E01-F9F7-17D0A597A064}"/>
-              </a:ext>
-            </a:extLst>
-          </p:cNvPr>
-          <p:cNvSpPr txBox="1"/>
-          <p:nvPr/>
-        </p:nvSpPr>
-        <p:spPr>
-          <a:xfrm>
-            <a:off x="4442011" y="-143435"/>
-            <a:ext cx="2882153" cy="830997"/>
-          </a:xfrm>
-          <a:prstGeom prst="rect">
-            <a:avLst/>
-          </a:prstGeom>
-          <a:noFill/>
-        </p:spPr>
-        <p:txBody>
-          <a:bodyPr wrap="square">
-            <a:spAutoFit/>
-          </a:bodyPr>
-          <a:lstStyle/>
-          <a:p>
-            <a:r>
-              <a:rPr lang="en-IN" sz="4800" b="1" u="sng" kern="150" dirty="0">
-                <a:solidFill>
-                  <a:schemeClr val="bg1"/>
-                </a:solidFill>
-                <a:effectLst/>
-                <a:latin typeface="Liberation Serif"/>
-                <a:ea typeface="Noto Serif CJK SC"/>
-                <a:cs typeface="Lohit Devanagari"/>
-              </a:rPr>
-              <a:t>Output:-</a:t>
-            </a:r>
-          </a:p>
-        </p:txBody>
-      </p:sp>
-      <p:pic>
-        <p:nvPicPr>
-          <p:cNvPr id="2" name="Image4">
-            <a:extLst>
-              <a:ext uri="{FF2B5EF4-FFF2-40B4-BE49-F238E27FC236}">
-                <a16:creationId xmlns:a16="http://schemas.microsoft.com/office/drawing/2014/main" id="{11D0011E-7700-0BC0-B513-168B243B42E0}"/>
-              </a:ext>
-            </a:extLst>
-          </p:cNvPr>
-          <p:cNvPicPr/>
-          <p:nvPr/>
-        </p:nvPicPr>
-        <p:blipFill>
-          <a:blip r:embed="rId2">
-            <a:lum/>
-            <a:alphaModFix/>
-          </a:blip>
-          <a:srcRect/>
-          <a:stretch>
-            <a:fillRect/>
-          </a:stretch>
-        </p:blipFill>
-        <p:spPr>
-          <a:xfrm>
-            <a:off x="2393576" y="860612"/>
-            <a:ext cx="6651812" cy="5862918"/>
-          </a:xfrm>
-          <a:prstGeom prst="rect">
-            <a:avLst/>
-          </a:prstGeom>
-        </p:spPr>
-      </p:pic>
-    </p:spTree>
-    <p:extLst>
-      <p:ext uri="{BB962C8B-B14F-4D97-AF65-F5344CB8AC3E}">
-        <p14:creationId xmlns:p14="http://schemas.microsoft.com/office/powerpoint/2010/main" val="685610638"/>
       </p:ext>
     </p:extLst>
   </p:cSld>
